--- a/summer_school_presentation.pptx
+++ b/summer_school_presentation.pptx
@@ -6,10 +6,10 @@
     <p:sldMasterId id="2147483654" r:id="rId2"/>
   </p:sldMasterIdLst>
   <p:notesMasterIdLst>
-    <p:notesMasterId r:id="rId13"/>
+    <p:notesMasterId r:id="rId18"/>
   </p:notesMasterIdLst>
   <p:handoutMasterIdLst>
-    <p:handoutMasterId r:id="rId14"/>
+    <p:handoutMasterId r:id="rId19"/>
   </p:handoutMasterIdLst>
   <p:sldIdLst>
     <p:sldId id="256" r:id="rId3"/>
@@ -22,6 +22,11 @@
     <p:sldId id="266" r:id="rId10"/>
     <p:sldId id="263" r:id="rId11"/>
     <p:sldId id="267" r:id="rId12"/>
+    <p:sldId id="268" r:id="rId13"/>
+    <p:sldId id="269" r:id="rId14"/>
+    <p:sldId id="270" r:id="rId15"/>
+    <p:sldId id="271" r:id="rId16"/>
+    <p:sldId id="272" r:id="rId17"/>
   </p:sldIdLst>
   <p:sldSz cx="9144000" cy="6858000" type="screen4x3"/>
   <p:notesSz cx="6858000" cy="9144000"/>
@@ -152,7 +157,7 @@
   </p:defaultTextStyle>
   <p:extLst>
     <p:ext uri="{EFAFB233-063F-42B5-8137-9DF3F51BA10A}">
-      <p15:sldGuideLst xmlns:p15="http://schemas.microsoft.com/office/powerpoint/2012/main" xmlns="">
+      <p15:sldGuideLst xmlns="" xmlns:p15="http://schemas.microsoft.com/office/powerpoint/2012/main">
         <p15:guide id="1" orient="horz" pos="2160">
           <p15:clr>
             <a:srgbClr val="A4A3A4"/>
@@ -166,7 +171,7 @@
       </p15:sldGuideLst>
     </p:ext>
     <p:ext uri="{2D200454-40CA-4A62-9FC3-DE9A4176ACB9}">
-      <p15:notesGuideLst xmlns:p15="http://schemas.microsoft.com/office/powerpoint/2012/main" xmlns=""/>
+      <p15:notesGuideLst xmlns="" xmlns:p15="http://schemas.microsoft.com/office/powerpoint/2012/main"/>
     </p:ext>
   </p:extLst>
 </p:presentation>
@@ -7810,13 +7815,8 @@
             <a:pPr eaLnBrk="1" hangingPunct="1"/>
             <a:r>
               <a:rPr lang="en-US" altLang="en-US" sz="1400" dirty="0" smtClean="0"/>
-              <a:t>Technical University </a:t>
-            </a:r>
-            <a:r>
-              <a:rPr lang="en-US" altLang="en-US" sz="1400" dirty="0" smtClean="0"/>
-              <a:t>of Denmark</a:t>
-            </a:r>
-            <a:endParaRPr lang="en-US" altLang="en-US" sz="1400" dirty="0" smtClean="0"/>
+              <a:t>Technical University of Denmark</a:t>
+            </a:r>
           </a:p>
         </p:txBody>
       </p:sp>
@@ -8068,6 +8068,1575 @@
 </p:sld>
 </file>
 
+<file path=ppt/slides/slide11.xml><?xml version="1.0" encoding="utf-8"?>
+<p:sld xmlns:a="http://schemas.openxmlformats.org/drawingml/2006/main" xmlns:r="http://schemas.openxmlformats.org/officeDocument/2006/relationships" xmlns:p="http://schemas.openxmlformats.org/presentationml/2006/main">
+  <p:cSld>
+    <p:spTree>
+      <p:nvGrpSpPr>
+        <p:cNvPr id="1" name=""/>
+        <p:cNvGrpSpPr/>
+        <p:nvPr/>
+      </p:nvGrpSpPr>
+      <p:grpSpPr>
+        <a:xfrm>
+          <a:off x="0" y="0"/>
+          <a:ext cx="0" cy="0"/>
+          <a:chOff x="0" y="0"/>
+          <a:chExt cx="0" cy="0"/>
+        </a:xfrm>
+      </p:grpSpPr>
+      <p:sp>
+        <p:nvSpPr>
+          <p:cNvPr id="39" name="TextShape 1"/>
+          <p:cNvSpPr txBox="1"/>
+          <p:nvPr/>
+        </p:nvSpPr>
+        <p:spPr>
+          <a:xfrm>
+            <a:off x="457172" y="273352"/>
+            <a:ext cx="8228763" cy="1145009"/>
+          </a:xfrm>
+          <a:prstGeom prst="rect">
+            <a:avLst/>
+          </a:prstGeom>
+          <a:noFill/>
+          <a:ln>
+            <a:noFill/>
+          </a:ln>
+        </p:spPr>
+        <p:txBody>
+          <a:bodyPr lIns="0" tIns="0" rIns="0" bIns="0" anchor="ctr"/>
+          <a:lstStyle/>
+          <a:p>
+            <a:pPr algn="ctr"/>
+            <a:r>
+              <a:rPr lang="en-US" sz="4000" spc="-1">
+                <a:latin typeface="Arial"/>
+              </a:rPr>
+              <a:t>CT projection data</a:t>
+            </a:r>
+            <a:endParaRPr/>
+          </a:p>
+        </p:txBody>
+      </p:sp>
+      <p:pic>
+        <p:nvPicPr>
+          <p:cNvPr id="40" name="Picture 39"/>
+          <p:cNvPicPr/>
+          <p:nvPr/>
+        </p:nvPicPr>
+        <p:blipFill>
+          <a:blip r:embed="rId2"/>
+          <a:stretch/>
+        </p:blipFill>
+        <p:spPr>
+          <a:xfrm>
+            <a:off x="165888" y="1244291"/>
+            <a:ext cx="3262573" cy="3069250"/>
+          </a:xfrm>
+          <a:prstGeom prst="rect">
+            <a:avLst/>
+          </a:prstGeom>
+          <a:ln>
+            <a:noFill/>
+          </a:ln>
+        </p:spPr>
+      </p:pic>
+      <p:pic>
+        <p:nvPicPr>
+          <p:cNvPr id="41" name="Picture 40"/>
+          <p:cNvPicPr/>
+          <p:nvPr/>
+        </p:nvPicPr>
+        <p:blipFill>
+          <a:blip r:embed="rId3"/>
+          <a:stretch/>
+        </p:blipFill>
+        <p:spPr>
+          <a:xfrm>
+            <a:off x="5474304" y="1327243"/>
+            <a:ext cx="3304371" cy="2654487"/>
+          </a:xfrm>
+          <a:prstGeom prst="rect">
+            <a:avLst/>
+          </a:prstGeom>
+          <a:ln>
+            <a:noFill/>
+          </a:ln>
+        </p:spPr>
+      </p:pic>
+      <p:pic>
+        <p:nvPicPr>
+          <p:cNvPr id="42" name="Picture 41"/>
+          <p:cNvPicPr/>
+          <p:nvPr/>
+        </p:nvPicPr>
+        <p:blipFill>
+          <a:blip r:embed="rId4"/>
+          <a:stretch/>
+        </p:blipFill>
+        <p:spPr>
+          <a:xfrm>
+            <a:off x="5521654" y="4103220"/>
+            <a:ext cx="3270410" cy="2479763"/>
+          </a:xfrm>
+          <a:prstGeom prst="rect">
+            <a:avLst/>
+          </a:prstGeom>
+          <a:ln>
+            <a:noFill/>
+          </a:ln>
+        </p:spPr>
+      </p:pic>
+      <p:sp>
+        <p:nvSpPr>
+          <p:cNvPr id="43" name="TextShape 2"/>
+          <p:cNvSpPr txBox="1"/>
+          <p:nvPr/>
+        </p:nvSpPr>
+        <p:spPr>
+          <a:xfrm>
+            <a:off x="165888" y="4281535"/>
+            <a:ext cx="3234816" cy="778580"/>
+          </a:xfrm>
+          <a:prstGeom prst="rect">
+            <a:avLst/>
+          </a:prstGeom>
+          <a:noFill/>
+          <a:ln>
+            <a:noFill/>
+          </a:ln>
+        </p:spPr>
+        <p:txBody>
+          <a:bodyPr lIns="81639" tIns="40820" rIns="81639" bIns="40820"/>
+          <a:lstStyle/>
+          <a:p>
+            <a:r>
+              <a:rPr lang="en-US" spc="-1">
+                <a:latin typeface="Arial"/>
+              </a:rPr>
+              <a:t>816 detectors -&gt; 816 input features</a:t>
+            </a:r>
+            <a:endParaRPr/>
+          </a:p>
+        </p:txBody>
+      </p:sp>
+      <p:sp>
+        <p:nvSpPr>
+          <p:cNvPr id="44" name="TextShape 3"/>
+          <p:cNvSpPr txBox="1"/>
+          <p:nvPr/>
+        </p:nvSpPr>
+        <p:spPr>
+          <a:xfrm>
+            <a:off x="3815424" y="1428158"/>
+            <a:ext cx="2156544" cy="1475187"/>
+          </a:xfrm>
+          <a:prstGeom prst="rect">
+            <a:avLst/>
+          </a:prstGeom>
+          <a:noFill/>
+          <a:ln>
+            <a:noFill/>
+          </a:ln>
+        </p:spPr>
+        <p:txBody>
+          <a:bodyPr lIns="81639" tIns="40820" rIns="81639" bIns="40820"/>
+          <a:lstStyle/>
+          <a:p>
+            <a:r>
+              <a:rPr lang="en-US" spc="-1" dirty="0">
+                <a:latin typeface="Arial"/>
+              </a:rPr>
+              <a:t>Green:</a:t>
+            </a:r>
+            <a:endParaRPr dirty="0"/>
+          </a:p>
+          <a:p>
+            <a:r>
+              <a:rPr lang="en-US" spc="-1" dirty="0">
+                <a:latin typeface="Arial"/>
+              </a:rPr>
+              <a:t>Slice with dental implant</a:t>
+            </a:r>
+            <a:endParaRPr dirty="0"/>
+          </a:p>
+          <a:p>
+            <a:r>
+              <a:rPr lang="en-US" spc="-1" dirty="0">
+                <a:latin typeface="Arial"/>
+              </a:rPr>
+              <a:t>Blue:</a:t>
+            </a:r>
+            <a:endParaRPr dirty="0"/>
+          </a:p>
+          <a:p>
+            <a:r>
+              <a:rPr lang="en-US" spc="-1" dirty="0">
+                <a:latin typeface="Arial"/>
+              </a:rPr>
+              <a:t>One slice down</a:t>
+            </a:r>
+            <a:endParaRPr dirty="0"/>
+          </a:p>
+          <a:p>
+            <a:endParaRPr dirty="0"/>
+          </a:p>
+        </p:txBody>
+      </p:sp>
+      <p:sp>
+        <p:nvSpPr>
+          <p:cNvPr id="45" name="TextShape 4"/>
+          <p:cNvSpPr txBox="1"/>
+          <p:nvPr/>
+        </p:nvSpPr>
+        <p:spPr>
+          <a:xfrm>
+            <a:off x="3506833" y="4653136"/>
+            <a:ext cx="1981839" cy="1242984"/>
+          </a:xfrm>
+          <a:prstGeom prst="rect">
+            <a:avLst/>
+          </a:prstGeom>
+          <a:noFill/>
+          <a:ln>
+            <a:noFill/>
+          </a:ln>
+        </p:spPr>
+        <p:txBody>
+          <a:bodyPr lIns="81639" tIns="40820" rIns="81639" bIns="40820"/>
+          <a:lstStyle/>
+          <a:p>
+            <a:r>
+              <a:rPr lang="en-US" spc="-1" dirty="0">
+                <a:latin typeface="Arial"/>
+              </a:rPr>
+              <a:t>Blue:</a:t>
+            </a:r>
+            <a:endParaRPr dirty="0"/>
+          </a:p>
+          <a:p>
+            <a:r>
+              <a:rPr lang="en-US" spc="-1" dirty="0">
+                <a:latin typeface="Arial"/>
+              </a:rPr>
+              <a:t>Phantom with metal</a:t>
+            </a:r>
+            <a:endParaRPr dirty="0"/>
+          </a:p>
+          <a:p>
+            <a:r>
+              <a:rPr lang="en-US" spc="-1" dirty="0">
+                <a:latin typeface="Arial"/>
+              </a:rPr>
+              <a:t>Cylinders</a:t>
+            </a:r>
+            <a:endParaRPr dirty="0"/>
+          </a:p>
+          <a:p>
+            <a:r>
+              <a:rPr lang="en-US" spc="-1" dirty="0">
+                <a:latin typeface="Arial"/>
+              </a:rPr>
+              <a:t>Green:</a:t>
+            </a:r>
+            <a:endParaRPr dirty="0"/>
+          </a:p>
+          <a:p>
+            <a:r>
+              <a:rPr lang="en-US" spc="-1" dirty="0">
+                <a:latin typeface="Arial"/>
+              </a:rPr>
+              <a:t>Plain phantom</a:t>
+            </a:r>
+            <a:endParaRPr dirty="0"/>
+          </a:p>
+        </p:txBody>
+      </p:sp>
+      <p:sp>
+        <p:nvSpPr>
+          <p:cNvPr id="46" name="TextShape 5"/>
+          <p:cNvSpPr txBox="1"/>
+          <p:nvPr/>
+        </p:nvSpPr>
+        <p:spPr>
+          <a:xfrm>
+            <a:off x="165888" y="5391926"/>
+            <a:ext cx="2903040" cy="1707389"/>
+          </a:xfrm>
+          <a:prstGeom prst="rect">
+            <a:avLst/>
+          </a:prstGeom>
+          <a:noFill/>
+          <a:ln>
+            <a:noFill/>
+          </a:ln>
+        </p:spPr>
+        <p:txBody>
+          <a:bodyPr lIns="81639" tIns="40820" rIns="81639" bIns="40820"/>
+          <a:lstStyle/>
+          <a:p>
+            <a:r>
+              <a:rPr lang="en-US" b="1" spc="-1">
+                <a:latin typeface="Arial"/>
+              </a:rPr>
+              <a:t>Idea: </a:t>
+            </a:r>
+            <a:r>
+              <a:rPr lang="en-US" spc="-1">
+                <a:latin typeface="Arial"/>
+              </a:rPr>
+              <a:t>If we can classify the views using the raw data, we can choose how to handle them individually.</a:t>
+            </a:r>
+            <a:endParaRPr/>
+          </a:p>
+          <a:p>
+            <a:endParaRPr/>
+          </a:p>
+        </p:txBody>
+      </p:sp>
+    </p:spTree>
+    <p:extLst>
+      <p:ext uri="{BB962C8B-B14F-4D97-AF65-F5344CB8AC3E}">
+        <p14:creationId xmlns:p14="http://schemas.microsoft.com/office/powerpoint/2010/main" val="1484271752"/>
+      </p:ext>
+    </p:extLst>
+  </p:cSld>
+  <p:clrMapOvr>
+    <a:masterClrMapping/>
+  </p:clrMapOvr>
+</p:sld>
+</file>
+
+<file path=ppt/slides/slide12.xml><?xml version="1.0" encoding="utf-8"?>
+<p:sld xmlns:a="http://schemas.openxmlformats.org/drawingml/2006/main" xmlns:r="http://schemas.openxmlformats.org/officeDocument/2006/relationships" xmlns:p="http://schemas.openxmlformats.org/presentationml/2006/main">
+  <p:cSld>
+    <p:spTree>
+      <p:nvGrpSpPr>
+        <p:cNvPr id="1" name=""/>
+        <p:cNvGrpSpPr/>
+        <p:nvPr/>
+      </p:nvGrpSpPr>
+      <p:grpSpPr>
+        <a:xfrm>
+          <a:off x="0" y="0"/>
+          <a:ext cx="0" cy="0"/>
+          <a:chOff x="0" y="0"/>
+          <a:chExt cx="0" cy="0"/>
+        </a:xfrm>
+      </p:grpSpPr>
+      <p:sp>
+        <p:nvSpPr>
+          <p:cNvPr id="47" name="TextShape 1"/>
+          <p:cNvSpPr txBox="1"/>
+          <p:nvPr/>
+        </p:nvSpPr>
+        <p:spPr>
+          <a:xfrm>
+            <a:off x="457172" y="273352"/>
+            <a:ext cx="8228763" cy="1145009"/>
+          </a:xfrm>
+          <a:prstGeom prst="rect">
+            <a:avLst/>
+          </a:prstGeom>
+          <a:noFill/>
+          <a:ln>
+            <a:noFill/>
+          </a:ln>
+        </p:spPr>
+        <p:txBody>
+          <a:bodyPr lIns="0" tIns="0" rIns="0" bIns="0" anchor="ctr"/>
+          <a:lstStyle/>
+          <a:p>
+            <a:pPr algn="ctr"/>
+            <a:r>
+              <a:rPr lang="en-US" sz="4000" spc="-1">
+                <a:latin typeface="Arial"/>
+              </a:rPr>
+              <a:t>Labelling</a:t>
+            </a:r>
+            <a:endParaRPr/>
+          </a:p>
+        </p:txBody>
+      </p:sp>
+      <p:sp>
+        <p:nvSpPr>
+          <p:cNvPr id="48" name="CustomShape 2"/>
+          <p:cNvSpPr/>
+          <p:nvPr/>
+        </p:nvSpPr>
+        <p:spPr>
+          <a:xfrm>
+            <a:off x="2381211" y="1974209"/>
+            <a:ext cx="3887592" cy="1122801"/>
+          </a:xfrm>
+          <a:prstGeom prst="rect">
+            <a:avLst/>
+          </a:prstGeom>
+          <a:solidFill>
+            <a:srgbClr val="000099"/>
+          </a:solidFill>
+          <a:ln>
+            <a:solidFill>
+              <a:srgbClr val="3465A4"/>
+            </a:solidFill>
+          </a:ln>
+        </p:spPr>
+        <p:style>
+          <a:lnRef idx="0">
+            <a:scrgbClr r="0" g="0" b="0"/>
+          </a:lnRef>
+          <a:fillRef idx="0">
+            <a:scrgbClr r="0" g="0" b="0"/>
+          </a:fillRef>
+          <a:effectRef idx="0">
+            <a:scrgbClr r="0" g="0" b="0"/>
+          </a:effectRef>
+          <a:fontRef idx="minor"/>
+        </p:style>
+      </p:sp>
+      <p:sp>
+        <p:nvSpPr>
+          <p:cNvPr id="49" name="CustomShape 3"/>
+          <p:cNvSpPr/>
+          <p:nvPr/>
+        </p:nvSpPr>
+        <p:spPr>
+          <a:xfrm>
+            <a:off x="4262146" y="2139135"/>
+            <a:ext cx="1999146" cy="160680"/>
+          </a:xfrm>
+          <a:prstGeom prst="rect">
+            <a:avLst/>
+          </a:prstGeom>
+          <a:solidFill>
+            <a:srgbClr val="000000"/>
+          </a:solidFill>
+          <a:ln>
+            <a:solidFill>
+              <a:srgbClr val="3465A4"/>
+            </a:solidFill>
+          </a:ln>
+        </p:spPr>
+        <p:style>
+          <a:lnRef idx="0">
+            <a:scrgbClr r="0" g="0" b="0"/>
+          </a:lnRef>
+          <a:fillRef idx="0">
+            <a:scrgbClr r="0" g="0" b="0"/>
+          </a:fillRef>
+          <a:effectRef idx="0">
+            <a:scrgbClr r="0" g="0" b="0"/>
+          </a:effectRef>
+          <a:fontRef idx="minor"/>
+        </p:style>
+      </p:sp>
+      <p:sp>
+        <p:nvSpPr>
+          <p:cNvPr id="50" name="CustomShape 4"/>
+          <p:cNvSpPr/>
+          <p:nvPr/>
+        </p:nvSpPr>
+        <p:spPr>
+          <a:xfrm>
+            <a:off x="4288923" y="2615950"/>
+            <a:ext cx="1979880" cy="160027"/>
+          </a:xfrm>
+          <a:prstGeom prst="rect">
+            <a:avLst/>
+          </a:prstGeom>
+          <a:solidFill>
+            <a:srgbClr val="000000"/>
+          </a:solidFill>
+          <a:ln>
+            <a:solidFill>
+              <a:srgbClr val="3465A4"/>
+            </a:solidFill>
+          </a:ln>
+        </p:spPr>
+        <p:style>
+          <a:lnRef idx="0">
+            <a:scrgbClr r="0" g="0" b="0"/>
+          </a:lnRef>
+          <a:fillRef idx="0">
+            <a:scrgbClr r="0" g="0" b="0"/>
+          </a:fillRef>
+          <a:effectRef idx="0">
+            <a:scrgbClr r="0" g="0" b="0"/>
+          </a:effectRef>
+          <a:fontRef idx="minor"/>
+        </p:style>
+      </p:sp>
+      <p:sp>
+        <p:nvSpPr>
+          <p:cNvPr id="51" name="TextShape 5"/>
+          <p:cNvSpPr txBox="1"/>
+          <p:nvPr/>
+        </p:nvSpPr>
+        <p:spPr>
+          <a:xfrm>
+            <a:off x="2381211" y="3257037"/>
+            <a:ext cx="3180609" cy="607776"/>
+          </a:xfrm>
+          <a:prstGeom prst="rect">
+            <a:avLst/>
+          </a:prstGeom>
+          <a:noFill/>
+          <a:ln>
+            <a:noFill/>
+          </a:ln>
+        </p:spPr>
+        <p:txBody>
+          <a:bodyPr lIns="81639" tIns="40820" rIns="81639" bIns="40820"/>
+          <a:lstStyle/>
+          <a:p>
+            <a:r>
+              <a:rPr lang="en-US" spc="-1">
+                <a:latin typeface="Arial"/>
+              </a:rPr>
+              <a:t>Index</a:t>
+            </a:r>
+            <a:endParaRPr/>
+          </a:p>
+        </p:txBody>
+      </p:sp>
+      <p:sp>
+        <p:nvSpPr>
+          <p:cNvPr id="52" name="Line 6"/>
+          <p:cNvSpPr/>
+          <p:nvPr/>
+        </p:nvSpPr>
+        <p:spPr>
+          <a:xfrm>
+            <a:off x="2381211" y="3864812"/>
+            <a:ext cx="4064256" cy="0"/>
+          </a:xfrm>
+          <a:prstGeom prst="line">
+            <a:avLst/>
+          </a:prstGeom>
+          <a:ln>
+            <a:solidFill>
+              <a:srgbClr val="000000"/>
+            </a:solidFill>
+            <a:tailEnd type="triangle" w="med" len="med"/>
+          </a:ln>
+        </p:spPr>
+        <p:style>
+          <a:lnRef idx="0">
+            <a:scrgbClr r="0" g="0" b="0"/>
+          </a:lnRef>
+          <a:fillRef idx="0">
+            <a:scrgbClr r="0" g="0" b="0"/>
+          </a:fillRef>
+          <a:effectRef idx="0">
+            <a:scrgbClr r="0" g="0" b="0"/>
+          </a:effectRef>
+          <a:fontRef idx="minor"/>
+        </p:style>
+      </p:sp>
+      <p:sp>
+        <p:nvSpPr>
+          <p:cNvPr id="53" name="Line 7"/>
+          <p:cNvSpPr/>
+          <p:nvPr/>
+        </p:nvSpPr>
+        <p:spPr>
+          <a:xfrm>
+            <a:off x="3088195" y="1653502"/>
+            <a:ext cx="0" cy="1603861"/>
+          </a:xfrm>
+          <a:prstGeom prst="line">
+            <a:avLst/>
+          </a:prstGeom>
+          <a:ln w="29160">
+            <a:solidFill>
+              <a:srgbClr val="000000"/>
+            </a:solidFill>
+            <a:round/>
+          </a:ln>
+        </p:spPr>
+        <p:style>
+          <a:lnRef idx="0">
+            <a:scrgbClr r="0" g="0" b="0"/>
+          </a:lnRef>
+          <a:fillRef idx="0">
+            <a:scrgbClr r="0" g="0" b="0"/>
+          </a:fillRef>
+          <a:effectRef idx="0">
+            <a:scrgbClr r="0" g="0" b="0"/>
+          </a:effectRef>
+          <a:fontRef idx="minor"/>
+        </p:style>
+      </p:sp>
+      <p:sp>
+        <p:nvSpPr>
+          <p:cNvPr id="54" name="Line 8"/>
+          <p:cNvSpPr/>
+          <p:nvPr/>
+        </p:nvSpPr>
+        <p:spPr>
+          <a:xfrm>
+            <a:off x="5561820" y="1493149"/>
+            <a:ext cx="0" cy="1924568"/>
+          </a:xfrm>
+          <a:prstGeom prst="line">
+            <a:avLst/>
+          </a:prstGeom>
+          <a:ln w="29160">
+            <a:solidFill>
+              <a:srgbClr val="000000"/>
+            </a:solidFill>
+            <a:round/>
+          </a:ln>
+        </p:spPr>
+        <p:style>
+          <a:lnRef idx="0">
+            <a:scrgbClr r="0" g="0" b="0"/>
+          </a:lnRef>
+          <a:fillRef idx="0">
+            <a:scrgbClr r="0" g="0" b="0"/>
+          </a:fillRef>
+          <a:effectRef idx="0">
+            <a:scrgbClr r="0" g="0" b="0"/>
+          </a:effectRef>
+          <a:fontRef idx="minor"/>
+        </p:style>
+      </p:sp>
+      <p:sp>
+        <p:nvSpPr>
+          <p:cNvPr id="55" name="TextShape 9"/>
+          <p:cNvSpPr txBox="1"/>
+          <p:nvPr/>
+        </p:nvSpPr>
+        <p:spPr>
+          <a:xfrm>
+            <a:off x="5947803" y="1576102"/>
+            <a:ext cx="1102437" cy="314175"/>
+          </a:xfrm>
+          <a:prstGeom prst="rect">
+            <a:avLst/>
+          </a:prstGeom>
+          <a:noFill/>
+          <a:ln>
+            <a:noFill/>
+          </a:ln>
+        </p:spPr>
+        <p:txBody>
+          <a:bodyPr lIns="81639" tIns="40820" rIns="81639" bIns="40820"/>
+          <a:lstStyle/>
+          <a:p>
+            <a:r>
+              <a:rPr lang="en-US" spc="-1">
+                <a:latin typeface="Arial"/>
+              </a:rPr>
+              <a:t>Metal (+1)</a:t>
+            </a:r>
+            <a:endParaRPr/>
+          </a:p>
+        </p:txBody>
+      </p:sp>
+      <p:sp>
+        <p:nvSpPr>
+          <p:cNvPr id="56" name="TextShape 10"/>
+          <p:cNvSpPr txBox="1"/>
+          <p:nvPr/>
+        </p:nvSpPr>
+        <p:spPr>
+          <a:xfrm>
+            <a:off x="5947803" y="1576102"/>
+            <a:ext cx="1102437" cy="314175"/>
+          </a:xfrm>
+          <a:prstGeom prst="rect">
+            <a:avLst/>
+          </a:prstGeom>
+          <a:noFill/>
+          <a:ln>
+            <a:noFill/>
+          </a:ln>
+        </p:spPr>
+        <p:txBody>
+          <a:bodyPr lIns="81639" tIns="40820" rIns="81639" bIns="40820"/>
+          <a:lstStyle/>
+          <a:p>
+            <a:r>
+              <a:rPr lang="en-US" spc="-1">
+                <a:latin typeface="Arial"/>
+              </a:rPr>
+              <a:t>Metal (+1)</a:t>
+            </a:r>
+            <a:endParaRPr/>
+          </a:p>
+        </p:txBody>
+      </p:sp>
+      <p:sp>
+        <p:nvSpPr>
+          <p:cNvPr id="57" name="TextShape 11"/>
+          <p:cNvSpPr txBox="1"/>
+          <p:nvPr/>
+        </p:nvSpPr>
+        <p:spPr>
+          <a:xfrm>
+            <a:off x="1658880" y="1627049"/>
+            <a:ext cx="1824768" cy="778580"/>
+          </a:xfrm>
+          <a:prstGeom prst="rect">
+            <a:avLst/>
+          </a:prstGeom>
+          <a:noFill/>
+          <a:ln>
+            <a:noFill/>
+          </a:ln>
+        </p:spPr>
+        <p:txBody>
+          <a:bodyPr lIns="81639" tIns="40820" rIns="81639" bIns="40820"/>
+          <a:lstStyle/>
+          <a:p>
+            <a:r>
+              <a:rPr lang="en-US" spc="-1">
+                <a:latin typeface="Arial"/>
+              </a:rPr>
+              <a:t>No metal (-1)</a:t>
+            </a:r>
+            <a:endParaRPr/>
+          </a:p>
+        </p:txBody>
+      </p:sp>
+      <p:sp>
+        <p:nvSpPr>
+          <p:cNvPr id="58" name="TextShape 12"/>
+          <p:cNvSpPr txBox="1"/>
+          <p:nvPr/>
+        </p:nvSpPr>
+        <p:spPr>
+          <a:xfrm>
+            <a:off x="3708315" y="1493149"/>
+            <a:ext cx="1327104" cy="314175"/>
+          </a:xfrm>
+          <a:prstGeom prst="rect">
+            <a:avLst/>
+          </a:prstGeom>
+          <a:noFill/>
+          <a:ln>
+            <a:noFill/>
+          </a:ln>
+        </p:spPr>
+        <p:txBody>
+          <a:bodyPr lIns="81639" tIns="40820" rIns="81639" bIns="40820"/>
+          <a:lstStyle/>
+          <a:p>
+            <a:r>
+              <a:rPr lang="en-US" spc="-1">
+                <a:latin typeface="Arial"/>
+              </a:rPr>
+              <a:t>Unlabelled</a:t>
+            </a:r>
+            <a:endParaRPr/>
+          </a:p>
+        </p:txBody>
+      </p:sp>
+      <p:sp>
+        <p:nvSpPr>
+          <p:cNvPr id="59" name="CustomShape 13"/>
+          <p:cNvSpPr/>
+          <p:nvPr/>
+        </p:nvSpPr>
+        <p:spPr>
+          <a:xfrm rot="5403600">
+            <a:off x="4465849" y="4552007"/>
+            <a:ext cx="1224696" cy="1122356"/>
+          </a:xfrm>
+          <a:prstGeom prst="smileyFace">
+            <a:avLst>
+              <a:gd name="adj" fmla="val 18520"/>
+            </a:avLst>
+          </a:prstGeom>
+          <a:solidFill>
+            <a:srgbClr val="000000"/>
+          </a:solidFill>
+          <a:ln>
+            <a:solidFill>
+              <a:srgbClr val="3465A4"/>
+            </a:solidFill>
+          </a:ln>
+        </p:spPr>
+        <p:style>
+          <a:lnRef idx="0">
+            <a:scrgbClr r="0" g="0" b="0"/>
+          </a:lnRef>
+          <a:fillRef idx="0">
+            <a:scrgbClr r="0" g="0" b="0"/>
+          </a:fillRef>
+          <a:effectRef idx="0">
+            <a:scrgbClr r="0" g="0" b="0"/>
+          </a:effectRef>
+          <a:fontRef idx="minor"/>
+        </p:style>
+      </p:sp>
+      <p:sp>
+        <p:nvSpPr>
+          <p:cNvPr id="60" name="CustomShape 14"/>
+          <p:cNvSpPr/>
+          <p:nvPr/>
+        </p:nvSpPr>
+        <p:spPr>
+          <a:xfrm rot="5403600">
+            <a:off x="4159598" y="4857332"/>
+            <a:ext cx="204116" cy="510073"/>
+          </a:xfrm>
+          <a:prstGeom prst="rect">
+            <a:avLst/>
+          </a:prstGeom>
+          <a:solidFill>
+            <a:srgbClr val="000000"/>
+          </a:solidFill>
+          <a:ln>
+            <a:solidFill>
+              <a:srgbClr val="3465A4"/>
+            </a:solidFill>
+          </a:ln>
+        </p:spPr>
+        <p:style>
+          <a:lnRef idx="0">
+            <a:scrgbClr r="0" g="0" b="0"/>
+          </a:lnRef>
+          <a:fillRef idx="0">
+            <a:scrgbClr r="0" g="0" b="0"/>
+          </a:fillRef>
+          <a:effectRef idx="0">
+            <a:scrgbClr r="0" g="0" b="0"/>
+          </a:effectRef>
+          <a:fontRef idx="minor"/>
+        </p:style>
+      </p:sp>
+      <p:sp>
+        <p:nvSpPr>
+          <p:cNvPr id="61" name="CustomShape 15"/>
+          <p:cNvSpPr/>
+          <p:nvPr/>
+        </p:nvSpPr>
+        <p:spPr>
+          <a:xfrm rot="5403600">
+            <a:off x="2884362" y="4601316"/>
+            <a:ext cx="1224696" cy="1020146"/>
+          </a:xfrm>
+          <a:prstGeom prst="rect">
+            <a:avLst/>
+          </a:prstGeom>
+          <a:solidFill>
+            <a:srgbClr val="000000"/>
+          </a:solidFill>
+          <a:ln>
+            <a:solidFill>
+              <a:srgbClr val="3465A4"/>
+            </a:solidFill>
+          </a:ln>
+        </p:spPr>
+        <p:style>
+          <a:lnRef idx="0">
+            <a:scrgbClr r="0" g="0" b="0"/>
+          </a:lnRef>
+          <a:fillRef idx="0">
+            <a:scrgbClr r="0" g="0" b="0"/>
+          </a:fillRef>
+          <a:effectRef idx="0">
+            <a:scrgbClr r="0" g="0" b="0"/>
+          </a:effectRef>
+          <a:fontRef idx="minor"/>
+        </p:style>
+      </p:sp>
+      <p:sp>
+        <p:nvSpPr>
+          <p:cNvPr id="62" name="CustomShape 16"/>
+          <p:cNvSpPr/>
+          <p:nvPr/>
+        </p:nvSpPr>
+        <p:spPr>
+          <a:xfrm>
+            <a:off x="4644864" y="4977162"/>
+            <a:ext cx="165888" cy="82953"/>
+          </a:xfrm>
+          <a:prstGeom prst="rect">
+            <a:avLst/>
+          </a:prstGeom>
+          <a:solidFill>
+            <a:srgbClr val="FFFFFF"/>
+          </a:solidFill>
+          <a:ln>
+            <a:solidFill>
+              <a:srgbClr val="3465A4"/>
+            </a:solidFill>
+          </a:ln>
+        </p:spPr>
+        <p:style>
+          <a:lnRef idx="0">
+            <a:scrgbClr r="0" g="0" b="0"/>
+          </a:lnRef>
+          <a:fillRef idx="0">
+            <a:scrgbClr r="0" g="0" b="0"/>
+          </a:fillRef>
+          <a:effectRef idx="0">
+            <a:scrgbClr r="0" g="0" b="0"/>
+          </a:effectRef>
+          <a:fontRef idx="minor"/>
+        </p:style>
+      </p:sp>
+      <p:sp>
+        <p:nvSpPr>
+          <p:cNvPr id="63" name="CustomShape 17"/>
+          <p:cNvSpPr/>
+          <p:nvPr/>
+        </p:nvSpPr>
+        <p:spPr>
+          <a:xfrm>
+            <a:off x="4644864" y="5060115"/>
+            <a:ext cx="165888" cy="82953"/>
+          </a:xfrm>
+          <a:prstGeom prst="rect">
+            <a:avLst/>
+          </a:prstGeom>
+          <a:solidFill>
+            <a:srgbClr val="FFFFFF"/>
+          </a:solidFill>
+          <a:ln>
+            <a:solidFill>
+              <a:srgbClr val="3465A4"/>
+            </a:solidFill>
+          </a:ln>
+        </p:spPr>
+        <p:style>
+          <a:lnRef idx="0">
+            <a:scrgbClr r="0" g="0" b="0"/>
+          </a:lnRef>
+          <a:fillRef idx="0">
+            <a:scrgbClr r="0" g="0" b="0"/>
+          </a:fillRef>
+          <a:effectRef idx="0">
+            <a:scrgbClr r="0" g="0" b="0"/>
+          </a:effectRef>
+          <a:fontRef idx="minor"/>
+        </p:style>
+      </p:sp>
+    </p:spTree>
+    <p:extLst>
+      <p:ext uri="{BB962C8B-B14F-4D97-AF65-F5344CB8AC3E}">
+        <p14:creationId xmlns:p14="http://schemas.microsoft.com/office/powerpoint/2010/main" val="2606205284"/>
+      </p:ext>
+    </p:extLst>
+  </p:cSld>
+  <p:clrMapOvr>
+    <a:masterClrMapping/>
+  </p:clrMapOvr>
+</p:sld>
+</file>
+
+<file path=ppt/slides/slide13.xml><?xml version="1.0" encoding="utf-8"?>
+<p:sld xmlns:a="http://schemas.openxmlformats.org/drawingml/2006/main" xmlns:r="http://schemas.openxmlformats.org/officeDocument/2006/relationships" xmlns:p="http://schemas.openxmlformats.org/presentationml/2006/main">
+  <p:cSld>
+    <p:spTree>
+      <p:nvGrpSpPr>
+        <p:cNvPr id="1" name=""/>
+        <p:cNvGrpSpPr/>
+        <p:nvPr/>
+      </p:nvGrpSpPr>
+      <p:grpSpPr>
+        <a:xfrm>
+          <a:off x="0" y="0"/>
+          <a:ext cx="0" cy="0"/>
+          <a:chOff x="0" y="0"/>
+          <a:chExt cx="0" cy="0"/>
+        </a:xfrm>
+      </p:grpSpPr>
+      <p:sp>
+        <p:nvSpPr>
+          <p:cNvPr id="64" name="TextShape 1"/>
+          <p:cNvSpPr txBox="1"/>
+          <p:nvPr/>
+        </p:nvSpPr>
+        <p:spPr>
+          <a:xfrm>
+            <a:off x="457172" y="273352"/>
+            <a:ext cx="8228763" cy="1145009"/>
+          </a:xfrm>
+          <a:prstGeom prst="rect">
+            <a:avLst/>
+          </a:prstGeom>
+          <a:noFill/>
+          <a:ln>
+            <a:noFill/>
+          </a:ln>
+        </p:spPr>
+        <p:txBody>
+          <a:bodyPr lIns="0" tIns="0" rIns="0" bIns="0" anchor="ctr"/>
+          <a:lstStyle/>
+          <a:p>
+            <a:pPr algn="ctr"/>
+            <a:r>
+              <a:rPr lang="en-US" sz="4000" spc="-1">
+                <a:latin typeface="Arial"/>
+              </a:rPr>
+              <a:t>Least squares linear classifier</a:t>
+            </a:r>
+            <a:endParaRPr/>
+          </a:p>
+        </p:txBody>
+      </p:sp>
+      <p:sp>
+        <p:nvSpPr>
+          <p:cNvPr id="65" name="TextShape 2"/>
+          <p:cNvSpPr txBox="1"/>
+          <p:nvPr/>
+        </p:nvSpPr>
+        <p:spPr>
+          <a:xfrm>
+            <a:off x="457172" y="1604841"/>
+            <a:ext cx="8228763" cy="3977484"/>
+          </a:xfrm>
+          <a:prstGeom prst="rect">
+            <a:avLst/>
+          </a:prstGeom>
+          <a:noFill/>
+          <a:ln>
+            <a:noFill/>
+          </a:ln>
+        </p:spPr>
+        <p:txBody>
+          <a:bodyPr lIns="0" tIns="0" rIns="0" bIns="0"/>
+          <a:lstStyle/>
+          <a:p>
+            <a:pPr marL="391867" indent="-293900">
+              <a:buClr>
+                <a:srgbClr val="FFFFFF"/>
+              </a:buClr>
+              <a:buSzPct val="45000"/>
+              <a:buFont typeface="Wingdings" charset="2"/>
+              <a:buChar char=""/>
+            </a:pPr>
+            <a:r>
+              <a:rPr lang="en-US" sz="2900" spc="-1">
+                <a:latin typeface="Arial"/>
+              </a:rPr>
+              <a:t>1. Teach a linear classifier on the labeled data</a:t>
+            </a:r>
+            <a:endParaRPr/>
+          </a:p>
+          <a:p>
+            <a:pPr marL="391867" indent="-293900">
+              <a:buClr>
+                <a:srgbClr val="FFFFFF"/>
+              </a:buClr>
+              <a:buSzPct val="45000"/>
+              <a:buFont typeface="Wingdings" charset="2"/>
+              <a:buChar char=""/>
+            </a:pPr>
+            <a:r>
+              <a:rPr lang="en-US" sz="2900" spc="-1">
+                <a:latin typeface="Arial"/>
+              </a:rPr>
+              <a:t>2. Label the unlabeled data by applying the model</a:t>
+            </a:r>
+            <a:endParaRPr/>
+          </a:p>
+          <a:p>
+            <a:pPr marL="391867" indent="-293900">
+              <a:buClr>
+                <a:srgbClr val="FFFFFF"/>
+              </a:buClr>
+              <a:buSzPct val="45000"/>
+              <a:buFont typeface="Wingdings" charset="2"/>
+              <a:buChar char=""/>
+            </a:pPr>
+            <a:r>
+              <a:rPr lang="en-US" sz="2900" spc="-1">
+                <a:latin typeface="Arial"/>
+              </a:rPr>
+              <a:t>3. Reiterate </a:t>
+            </a:r>
+            <a:endParaRPr/>
+          </a:p>
+        </p:txBody>
+      </p:sp>
+      <p:pic>
+        <p:nvPicPr>
+          <p:cNvPr id="66" name="Picture 65"/>
+          <p:cNvPicPr/>
+          <p:nvPr/>
+        </p:nvPicPr>
+        <p:blipFill>
+          <a:blip r:embed="rId2"/>
+          <a:stretch/>
+        </p:blipFill>
+        <p:spPr>
+          <a:xfrm>
+            <a:off x="2113439" y="3566967"/>
+            <a:ext cx="6512737" cy="3069250"/>
+          </a:xfrm>
+          <a:prstGeom prst="rect">
+            <a:avLst/>
+          </a:prstGeom>
+          <a:ln>
+            <a:noFill/>
+          </a:ln>
+        </p:spPr>
+      </p:pic>
+    </p:spTree>
+    <p:extLst>
+      <p:ext uri="{BB962C8B-B14F-4D97-AF65-F5344CB8AC3E}">
+        <p14:creationId xmlns:p14="http://schemas.microsoft.com/office/powerpoint/2010/main" val="2579425210"/>
+      </p:ext>
+    </p:extLst>
+  </p:cSld>
+  <p:clrMapOvr>
+    <a:masterClrMapping/>
+  </p:clrMapOvr>
+</p:sld>
+</file>
+
+<file path=ppt/slides/slide14.xml><?xml version="1.0" encoding="utf-8"?>
+<p:sld xmlns:a="http://schemas.openxmlformats.org/drawingml/2006/main" xmlns:r="http://schemas.openxmlformats.org/officeDocument/2006/relationships" xmlns:p="http://schemas.openxmlformats.org/presentationml/2006/main">
+  <p:cSld>
+    <p:spTree>
+      <p:nvGrpSpPr>
+        <p:cNvPr id="1" name=""/>
+        <p:cNvGrpSpPr/>
+        <p:nvPr/>
+      </p:nvGrpSpPr>
+      <p:grpSpPr>
+        <a:xfrm>
+          <a:off x="0" y="0"/>
+          <a:ext cx="0" cy="0"/>
+          <a:chOff x="0" y="0"/>
+          <a:chExt cx="0" cy="0"/>
+        </a:xfrm>
+      </p:grpSpPr>
+      <p:sp>
+        <p:nvSpPr>
+          <p:cNvPr id="67" name="TextShape 1"/>
+          <p:cNvSpPr txBox="1"/>
+          <p:nvPr/>
+        </p:nvSpPr>
+        <p:spPr>
+          <a:xfrm>
+            <a:off x="-1593243" y="99282"/>
+            <a:ext cx="8228763" cy="1145009"/>
+          </a:xfrm>
+          <a:prstGeom prst="rect">
+            <a:avLst/>
+          </a:prstGeom>
+          <a:noFill/>
+          <a:ln>
+            <a:noFill/>
+          </a:ln>
+        </p:spPr>
+        <p:txBody>
+          <a:bodyPr lIns="0" tIns="0" rIns="0" bIns="0" anchor="ctr"/>
+          <a:lstStyle/>
+          <a:p>
+            <a:pPr algn="ctr"/>
+            <a:r>
+              <a:rPr lang="en-US" sz="4000" spc="-1">
+                <a:latin typeface="Arial"/>
+              </a:rPr>
+              <a:t>Decision functions</a:t>
+            </a:r>
+            <a:endParaRPr/>
+          </a:p>
+        </p:txBody>
+      </p:sp>
+      <p:pic>
+        <p:nvPicPr>
+          <p:cNvPr id="68" name="Picture 67"/>
+          <p:cNvPicPr/>
+          <p:nvPr/>
+        </p:nvPicPr>
+        <p:blipFill>
+          <a:blip r:embed="rId2"/>
+          <a:stretch/>
+        </p:blipFill>
+        <p:spPr>
+          <a:xfrm>
+            <a:off x="5474304" y="3964421"/>
+            <a:ext cx="3511405" cy="2588843"/>
+          </a:xfrm>
+          <a:prstGeom prst="rect">
+            <a:avLst/>
+          </a:prstGeom>
+          <a:ln>
+            <a:noFill/>
+          </a:ln>
+        </p:spPr>
+      </p:pic>
+      <p:pic>
+        <p:nvPicPr>
+          <p:cNvPr id="69" name="Picture 68"/>
+          <p:cNvPicPr/>
+          <p:nvPr/>
+        </p:nvPicPr>
+        <p:blipFill>
+          <a:blip r:embed="rId3"/>
+          <a:stretch/>
+        </p:blipFill>
+        <p:spPr>
+          <a:xfrm>
+            <a:off x="5474304" y="1493149"/>
+            <a:ext cx="3511405" cy="2588843"/>
+          </a:xfrm>
+          <a:prstGeom prst="rect">
+            <a:avLst/>
+          </a:prstGeom>
+          <a:ln>
+            <a:noFill/>
+          </a:ln>
+        </p:spPr>
+      </p:pic>
+      <p:sp>
+        <p:nvSpPr>
+          <p:cNvPr id="70" name="TextShape 2"/>
+          <p:cNvSpPr txBox="1"/>
+          <p:nvPr/>
+        </p:nvSpPr>
+        <p:spPr>
+          <a:xfrm>
+            <a:off x="331776" y="1613659"/>
+            <a:ext cx="5142528" cy="10066670"/>
+          </a:xfrm>
+          <a:prstGeom prst="rect">
+            <a:avLst/>
+          </a:prstGeom>
+          <a:noFill/>
+          <a:ln>
+            <a:noFill/>
+          </a:ln>
+        </p:spPr>
+        <p:txBody>
+          <a:bodyPr lIns="81639" tIns="40820" rIns="81639" bIns="40820"/>
+          <a:lstStyle/>
+          <a:p>
+            <a:r>
+              <a:rPr lang="en-US" spc="-1" dirty="0">
+                <a:latin typeface="Arial"/>
+              </a:rPr>
+              <a:t>Supervised </a:t>
+            </a:r>
+            <a:r>
+              <a:rPr lang="en-US" spc="-1" dirty="0" err="1">
+                <a:latin typeface="Arial"/>
+              </a:rPr>
+              <a:t>w_sup</a:t>
+            </a:r>
+            <a:r>
+              <a:rPr lang="en-US" spc="-1" dirty="0">
+                <a:latin typeface="Arial"/>
+              </a:rPr>
+              <a:t> (blue) and unsupervised </a:t>
+            </a:r>
+            <a:r>
+              <a:rPr lang="en-US" spc="-1" dirty="0" err="1">
+                <a:latin typeface="Arial"/>
+              </a:rPr>
+              <a:t>w_semi</a:t>
+            </a:r>
+            <a:r>
+              <a:rPr lang="en-US" spc="-1" dirty="0">
+                <a:latin typeface="Arial"/>
+              </a:rPr>
+              <a:t> (green) classifiers on labeled data: </a:t>
+            </a:r>
+            <a:endParaRPr dirty="0"/>
+          </a:p>
+          <a:p>
+            <a:r>
+              <a:rPr lang="en-US" spc="-1" dirty="0">
+                <a:latin typeface="Arial"/>
+              </a:rPr>
+              <a:t>(1 is “metal” and -1 is “no metal”)</a:t>
+            </a:r>
+            <a:endParaRPr dirty="0"/>
+          </a:p>
+          <a:p>
+            <a:endParaRPr dirty="0"/>
+          </a:p>
+          <a:p>
+            <a:endParaRPr dirty="0"/>
+          </a:p>
+          <a:p>
+            <a:endParaRPr dirty="0"/>
+          </a:p>
+          <a:p>
+            <a:r>
+              <a:rPr lang="en-US" spc="-1" dirty="0">
+                <a:latin typeface="Arial"/>
+              </a:rPr>
+              <a:t>Supervised (blue) and unsupervised (green) classifiers on unlabeled data</a:t>
+            </a:r>
+            <a:endParaRPr dirty="0"/>
+          </a:p>
+          <a:p>
+            <a:endParaRPr dirty="0"/>
+          </a:p>
+          <a:p>
+            <a:r>
+              <a:rPr lang="en-US" spc="-1" dirty="0">
+                <a:latin typeface="Arial"/>
+              </a:rPr>
+              <a:t>The classifier finds a threshold that approximately coincides with where metal enters the image (but not quite)</a:t>
+            </a:r>
+            <a:endParaRPr dirty="0"/>
+          </a:p>
+          <a:p>
+            <a:endParaRPr dirty="0"/>
+          </a:p>
+          <a:p>
+            <a:r>
+              <a:rPr lang="en-US" spc="-1" dirty="0">
+                <a:latin typeface="Arial"/>
+              </a:rPr>
+              <a:t>Unsupervised learning reinforces the boundary</a:t>
+            </a:r>
+            <a:endParaRPr dirty="0"/>
+          </a:p>
+          <a:p>
+            <a:endParaRPr dirty="0"/>
+          </a:p>
+          <a:p>
+            <a:endParaRPr dirty="0"/>
+          </a:p>
+          <a:p>
+            <a:endParaRPr dirty="0"/>
+          </a:p>
+          <a:p>
+            <a:endParaRPr dirty="0"/>
+          </a:p>
+          <a:p>
+            <a:endParaRPr dirty="0"/>
+          </a:p>
+          <a:p>
+            <a:endParaRPr dirty="0"/>
+          </a:p>
+          <a:p>
+            <a:endParaRPr dirty="0"/>
+          </a:p>
+          <a:p>
+            <a:endParaRPr dirty="0"/>
+          </a:p>
+          <a:p>
+            <a:endParaRPr dirty="0"/>
+          </a:p>
+          <a:p>
+            <a:endParaRPr dirty="0"/>
+          </a:p>
+          <a:p>
+            <a:endParaRPr dirty="0"/>
+          </a:p>
+          <a:p>
+            <a:endParaRPr dirty="0"/>
+          </a:p>
+          <a:p>
+            <a:endParaRPr dirty="0"/>
+          </a:p>
+          <a:p>
+            <a:endParaRPr dirty="0"/>
+          </a:p>
+          <a:p>
+            <a:endParaRPr dirty="0"/>
+          </a:p>
+          <a:p>
+            <a:endParaRPr dirty="0"/>
+          </a:p>
+          <a:p>
+            <a:endParaRPr dirty="0"/>
+          </a:p>
+          <a:p>
+            <a:endParaRPr dirty="0"/>
+          </a:p>
+          <a:p>
+            <a:endParaRPr dirty="0"/>
+          </a:p>
+          <a:p>
+            <a:endParaRPr dirty="0"/>
+          </a:p>
+          <a:p>
+            <a:endParaRPr dirty="0"/>
+          </a:p>
+          <a:p>
+            <a:endParaRPr dirty="0"/>
+          </a:p>
+          <a:p>
+            <a:endParaRPr dirty="0"/>
+          </a:p>
+          <a:p>
+            <a:endParaRPr dirty="0"/>
+          </a:p>
+        </p:txBody>
+      </p:sp>
+    </p:spTree>
+    <p:extLst>
+      <p:ext uri="{BB962C8B-B14F-4D97-AF65-F5344CB8AC3E}">
+        <p14:creationId xmlns:p14="http://schemas.microsoft.com/office/powerpoint/2010/main" val="1278268404"/>
+      </p:ext>
+    </p:extLst>
+  </p:cSld>
+  <p:clrMapOvr>
+    <a:masterClrMapping/>
+  </p:clrMapOvr>
+</p:sld>
+</file>
+
+<file path=ppt/slides/slide15.xml><?xml version="1.0" encoding="utf-8"?>
+<p:sld xmlns:a="http://schemas.openxmlformats.org/drawingml/2006/main" xmlns:r="http://schemas.openxmlformats.org/officeDocument/2006/relationships" xmlns:p="http://schemas.openxmlformats.org/presentationml/2006/main">
+  <p:cSld>
+    <p:spTree>
+      <p:nvGrpSpPr>
+        <p:cNvPr id="1" name=""/>
+        <p:cNvGrpSpPr/>
+        <p:nvPr/>
+      </p:nvGrpSpPr>
+      <p:grpSpPr>
+        <a:xfrm>
+          <a:off x="0" y="0"/>
+          <a:ext cx="0" cy="0"/>
+          <a:chOff x="0" y="0"/>
+          <a:chExt cx="0" cy="0"/>
+        </a:xfrm>
+      </p:grpSpPr>
+      <p:sp>
+        <p:nvSpPr>
+          <p:cNvPr id="71" name="TextShape 1"/>
+          <p:cNvSpPr txBox="1"/>
+          <p:nvPr/>
+        </p:nvSpPr>
+        <p:spPr>
+          <a:xfrm>
+            <a:off x="457172" y="273352"/>
+            <a:ext cx="8228763" cy="1145009"/>
+          </a:xfrm>
+          <a:prstGeom prst="rect">
+            <a:avLst/>
+          </a:prstGeom>
+          <a:noFill/>
+          <a:ln>
+            <a:noFill/>
+          </a:ln>
+        </p:spPr>
+        <p:txBody>
+          <a:bodyPr lIns="0" tIns="0" rIns="0" bIns="0" anchor="ctr"/>
+          <a:lstStyle/>
+          <a:p>
+            <a:pPr algn="ctr"/>
+            <a:r>
+              <a:rPr lang="en-US" sz="4000" spc="-1">
+                <a:latin typeface="Arial"/>
+              </a:rPr>
+              <a:t>Conclusion</a:t>
+            </a:r>
+            <a:endParaRPr/>
+          </a:p>
+        </p:txBody>
+      </p:sp>
+      <p:sp>
+        <p:nvSpPr>
+          <p:cNvPr id="72" name="TextShape 2"/>
+          <p:cNvSpPr txBox="1"/>
+          <p:nvPr/>
+        </p:nvSpPr>
+        <p:spPr>
+          <a:xfrm>
+            <a:off x="457172" y="1604841"/>
+            <a:ext cx="8228763" cy="3977484"/>
+          </a:xfrm>
+          <a:prstGeom prst="rect">
+            <a:avLst/>
+          </a:prstGeom>
+          <a:noFill/>
+          <a:ln>
+            <a:noFill/>
+          </a:ln>
+        </p:spPr>
+        <p:txBody>
+          <a:bodyPr lIns="0" tIns="0" rIns="0" bIns="0"/>
+          <a:lstStyle/>
+          <a:p>
+            <a:pPr marL="391867" indent="-293900">
+              <a:buClr>
+                <a:srgbClr val="FFFFFF"/>
+              </a:buClr>
+              <a:buSzPct val="45000"/>
+              <a:buFont typeface="Wingdings" charset="2"/>
+              <a:buChar char=""/>
+            </a:pPr>
+            <a:r>
+              <a:rPr lang="en-US" sz="2900" spc="-1">
+                <a:latin typeface="Arial"/>
+              </a:rPr>
+              <a:t>Classifier useless for general data since the features are poorly chosen</a:t>
+            </a:r>
+            <a:endParaRPr/>
+          </a:p>
+          <a:p>
+            <a:pPr marL="391867" indent="-293900">
+              <a:buClr>
+                <a:srgbClr val="FFFFFF"/>
+              </a:buClr>
+              <a:buSzPct val="45000"/>
+              <a:buFont typeface="Wingdings" charset="2"/>
+              <a:buChar char=""/>
+            </a:pPr>
+            <a:r>
+              <a:rPr lang="en-US" sz="2900" spc="-1">
+                <a:latin typeface="Arial"/>
+              </a:rPr>
+              <a:t>Deep learning could possibly be used to find better features, or one could handcraft</a:t>
+            </a:r>
+            <a:endParaRPr/>
+          </a:p>
+          <a:p>
+            <a:pPr marL="391867" indent="-293900">
+              <a:buClr>
+                <a:srgbClr val="FFFFFF"/>
+              </a:buClr>
+              <a:buSzPct val="45000"/>
+              <a:buFont typeface="Wingdings" charset="2"/>
+              <a:buChar char=""/>
+            </a:pPr>
+            <a:r>
+              <a:rPr lang="en-US" sz="2900" spc="-1">
+                <a:latin typeface="Arial"/>
+              </a:rPr>
+              <a:t>The classifier should probably be non-linear</a:t>
+            </a:r>
+            <a:endParaRPr/>
+          </a:p>
+          <a:p>
+            <a:pPr marL="391867" indent="-293900">
+              <a:buClr>
+                <a:srgbClr val="FFFFFF"/>
+              </a:buClr>
+              <a:buSzPct val="45000"/>
+              <a:buFont typeface="Wingdings" charset="2"/>
+              <a:buChar char=""/>
+            </a:pPr>
+            <a:r>
+              <a:rPr lang="en-US" sz="2900" spc="-1">
+                <a:latin typeface="Arial"/>
+              </a:rPr>
+              <a:t> </a:t>
+            </a:r>
+            <a:endParaRPr/>
+          </a:p>
+        </p:txBody>
+      </p:sp>
+    </p:spTree>
+    <p:extLst>
+      <p:ext uri="{BB962C8B-B14F-4D97-AF65-F5344CB8AC3E}">
+        <p14:creationId xmlns:p14="http://schemas.microsoft.com/office/powerpoint/2010/main" val="3318127548"/>
+      </p:ext>
+    </p:extLst>
+  </p:cSld>
+  <p:clrMapOvr>
+    <a:masterClrMapping/>
+  </p:clrMapOvr>
+</p:sld>
+</file>
+
 <file path=ppt/slides/slide2.xml><?xml version="1.0" encoding="utf-8"?>
 <p:sld xmlns:a="http://schemas.openxmlformats.org/drawingml/2006/main" xmlns:r="http://schemas.openxmlformats.org/officeDocument/2006/relationships" xmlns:p="http://schemas.openxmlformats.org/presentationml/2006/main">
   <p:cSld>
@@ -8463,8 +10032,8 @@
           </a:p>
         </p:txBody>
       </p:sp>
-      <mc:AlternateContent xmlns:mc="http://schemas.openxmlformats.org/markup-compatibility/2006">
-        <mc:Choice xmlns:a14="http://schemas.microsoft.com/office/drawing/2010/main" Requires="a14">
+      <mc:AlternateContent xmlns:mc="http://schemas.openxmlformats.org/markup-compatibility/2006" xmlns:a14="http://schemas.microsoft.com/office/drawing/2010/main">
+        <mc:Choice Requires="a14">
           <p:sp>
             <p:nvSpPr>
               <p:cNvPr id="3" name="Content Placeholder 2"/>
@@ -8585,7 +10154,7 @@
             </p:txBody>
           </p:sp>
         </mc:Choice>
-        <mc:Fallback>
+        <mc:Fallback xmlns="">
           <p:sp>
             <p:nvSpPr>
               <p:cNvPr id="3" name="Content Placeholder 2"/>
@@ -9026,8 +10595,8 @@
           </a:extLst>
         </p:spPr>
       </p:pic>
-      <mc:AlternateContent xmlns:mc="http://schemas.openxmlformats.org/markup-compatibility/2006">
-        <mc:Choice xmlns:a14="http://schemas.microsoft.com/office/drawing/2010/main" Requires="a14">
+      <mc:AlternateContent xmlns:mc="http://schemas.openxmlformats.org/markup-compatibility/2006" xmlns:a14="http://schemas.microsoft.com/office/drawing/2010/main">
+        <mc:Choice Requires="a14">
           <p:sp>
             <p:nvSpPr>
               <p:cNvPr id="4" name="TextBox 3"/>
@@ -9050,6 +10619,7 @@
               </a:bodyPr>
               <a:lstStyle/>
               <a:p>
+                <a:pPr/>
                 <a14:m>
                   <m:oMathPara xmlns:m="http://schemas.openxmlformats.org/officeDocument/2006/math">
                     <m:oMathParaPr>
@@ -9078,7 +10648,7 @@
             </p:txBody>
           </p:sp>
         </mc:Choice>
-        <mc:Fallback>
+        <mc:Fallback xmlns="">
           <p:sp>
             <p:nvSpPr>
               <p:cNvPr id="4" name="TextBox 3"/>
@@ -9117,8 +10687,8 @@
           </p:sp>
         </mc:Fallback>
       </mc:AlternateContent>
-      <mc:AlternateContent xmlns:mc="http://schemas.openxmlformats.org/markup-compatibility/2006">
-        <mc:Choice xmlns:a14="http://schemas.microsoft.com/office/drawing/2010/main" Requires="a14">
+      <mc:AlternateContent xmlns:mc="http://schemas.openxmlformats.org/markup-compatibility/2006" xmlns:a14="http://schemas.microsoft.com/office/drawing/2010/main">
+        <mc:Choice Requires="a14">
           <p:sp>
             <p:nvSpPr>
               <p:cNvPr id="11" name="TextBox 10"/>
@@ -9141,6 +10711,7 @@
               </a:bodyPr>
               <a:lstStyle/>
               <a:p>
+                <a:pPr/>
                 <a14:m>
                   <m:oMathPara xmlns:m="http://schemas.openxmlformats.org/officeDocument/2006/math">
                     <m:oMathParaPr>
@@ -9169,7 +10740,7 @@
             </p:txBody>
           </p:sp>
         </mc:Choice>
-        <mc:Fallback>
+        <mc:Fallback xmlns="">
           <p:sp>
             <p:nvSpPr>
               <p:cNvPr id="11" name="TextBox 10"/>
@@ -9208,8 +10779,8 @@
           </p:sp>
         </mc:Fallback>
       </mc:AlternateContent>
-      <mc:AlternateContent xmlns:mc="http://schemas.openxmlformats.org/markup-compatibility/2006">
-        <mc:Choice xmlns:a14="http://schemas.microsoft.com/office/drawing/2010/main" Requires="a14">
+      <mc:AlternateContent xmlns:mc="http://schemas.openxmlformats.org/markup-compatibility/2006" xmlns:a14="http://schemas.microsoft.com/office/drawing/2010/main">
+        <mc:Choice Requires="a14">
           <p:sp>
             <p:nvSpPr>
               <p:cNvPr id="12" name="TextBox 11"/>
@@ -9232,6 +10803,7 @@
               </a:bodyPr>
               <a:lstStyle/>
               <a:p>
+                <a:pPr/>
                 <a14:m>
                   <m:oMathPara xmlns:m="http://schemas.openxmlformats.org/officeDocument/2006/math">
                     <m:oMathParaPr>
@@ -9260,7 +10832,7 @@
             </p:txBody>
           </p:sp>
         </mc:Choice>
-        <mc:Fallback>
+        <mc:Fallback xmlns="">
           <p:sp>
             <p:nvSpPr>
               <p:cNvPr id="12" name="TextBox 11"/>

--- a/summer_school_presentation.pptx
+++ b/summer_school_presentation.pptx
@@ -157,7 +157,7 @@
   </p:defaultTextStyle>
   <p:extLst>
     <p:ext uri="{EFAFB233-063F-42B5-8137-9DF3F51BA10A}">
-      <p15:sldGuideLst xmlns="" xmlns:p15="http://schemas.microsoft.com/office/powerpoint/2012/main">
+      <p15:sldGuideLst xmlns:p15="http://schemas.microsoft.com/office/powerpoint/2012/main" xmlns="">
         <p15:guide id="1" orient="horz" pos="2160">
           <p15:clr>
             <a:srgbClr val="A4A3A4"/>
@@ -171,7 +171,7 @@
       </p15:sldGuideLst>
     </p:ext>
     <p:ext uri="{2D200454-40CA-4A62-9FC3-DE9A4176ACB9}">
-      <p15:notesGuideLst xmlns="" xmlns:p15="http://schemas.microsoft.com/office/powerpoint/2012/main"/>
+      <p15:notesGuideLst xmlns:p15="http://schemas.microsoft.com/office/powerpoint/2012/main" xmlns=""/>
     </p:ext>
   </p:extLst>
 </p:presentation>
@@ -1332,58 +1332,6 @@
           <a:bodyPr/>
           <a:lstStyle/>
           <a:p>
-            <a:r>
-              <a:rPr lang="en-US" dirty="0" smtClean="0"/>
-              <a:t>Beckmann distribution    (2)</a:t>
-            </a:r>
-          </a:p>
-          <a:p>
-            <a:r>
-              <a:rPr lang="en-US" dirty="0" smtClean="0"/>
-              <a:t>     - Something about the </a:t>
-            </a:r>
-            <a:r>
-              <a:rPr lang="en-US" dirty="0" err="1" smtClean="0"/>
-              <a:t>beckmann</a:t>
-            </a:r>
-            <a:r>
-              <a:rPr lang="en-US" dirty="0" smtClean="0"/>
-              <a:t> (equation)</a:t>
-            </a:r>
-          </a:p>
-          <a:p>
-            <a:r>
-              <a:rPr lang="en-US" dirty="0" smtClean="0"/>
-              <a:t>     - For our test case, we use only this</a:t>
-            </a:r>
-          </a:p>
-          <a:p>
-            <a:r>
-              <a:rPr lang="en-US" dirty="0" smtClean="0"/>
-              <a:t>     - It has one parameter</a:t>
-            </a:r>
-          </a:p>
-          <a:p>
-            <a:r>
-              <a:rPr lang="en-US" dirty="0" smtClean="0"/>
-              <a:t>     - Roughness according to parameter</a:t>
-            </a:r>
-          </a:p>
-          <a:p>
-            <a:r>
-              <a:rPr lang="en-US" dirty="0" smtClean="0"/>
-              <a:t>     - What is the best parameter to approximate a given distribution of </a:t>
-            </a:r>
-            <a:r>
-              <a:rPr lang="en-US" dirty="0" err="1" smtClean="0"/>
-              <a:t>normals</a:t>
-            </a:r>
-            <a:r>
-              <a:rPr lang="en-US" dirty="0" smtClean="0"/>
-              <a:t> </a:t>
-            </a:r>
-          </a:p>
-          <a:p>
             <a:endParaRPr lang="da-DK" dirty="0"/>
           </a:p>
         </p:txBody>
@@ -1406,7 +1354,7 @@
             <a:fld id="{D451BD60-6A09-44A5-99EA-82E3A20093E0}" type="slidenum">
               <a:rPr lang="da-DK" altLang="en-US" smtClean="0"/>
               <a:pPr/>
-              <a:t>4</a:t>
+              <a:t>2</a:t>
             </a:fld>
             <a:endParaRPr lang="da-DK" altLang="en-US"/>
           </a:p>
@@ -1415,7 +1363,7 @@
     </p:spTree>
     <p:extLst>
       <p:ext uri="{BB962C8B-B14F-4D97-AF65-F5344CB8AC3E}">
-        <p14:creationId xmlns:p14="http://schemas.microsoft.com/office/powerpoint/2010/main" val="3217676234"/>
+        <p14:creationId xmlns:p14="http://schemas.microsoft.com/office/powerpoint/2010/main" val="3197462964"/>
       </p:ext>
     </p:extLst>
   </p:cSld>
@@ -1469,6 +1417,33 @@
           <a:bodyPr/>
           <a:lstStyle/>
           <a:p>
+            <a:r>
+              <a:rPr lang="da-DK" dirty="0" err="1" smtClean="0"/>
+              <a:t>Difficult</a:t>
+            </a:r>
+            <a:r>
+              <a:rPr lang="da-DK" dirty="0" smtClean="0"/>
+              <a:t> to find </a:t>
+            </a:r>
+            <a:r>
+              <a:rPr lang="da-DK" dirty="0" err="1" smtClean="0"/>
+              <a:t>applications</a:t>
+            </a:r>
+            <a:r>
+              <a:rPr lang="da-DK" dirty="0" smtClean="0"/>
+              <a:t> in </a:t>
+            </a:r>
+            <a:r>
+              <a:rPr lang="da-DK" dirty="0" err="1" smtClean="0"/>
+              <a:t>graphics</a:t>
+            </a:r>
+            <a:endParaRPr lang="da-DK" dirty="0" smtClean="0"/>
+          </a:p>
+          <a:p>
+            <a:r>
+              <a:rPr lang="da-DK" dirty="0" smtClean="0"/>
+              <a:t>Part of the model is the normal distribution</a:t>
+            </a:r>
             <a:endParaRPr lang="da-DK" dirty="0"/>
           </a:p>
         </p:txBody>
@@ -1491,6 +1466,228 @@
             <a:fld id="{D451BD60-6A09-44A5-99EA-82E3A20093E0}" type="slidenum">
               <a:rPr lang="da-DK" altLang="en-US" smtClean="0"/>
               <a:pPr/>
+              <a:t>3</a:t>
+            </a:fld>
+            <a:endParaRPr lang="da-DK" altLang="en-US"/>
+          </a:p>
+        </p:txBody>
+      </p:sp>
+    </p:spTree>
+    <p:extLst>
+      <p:ext uri="{BB962C8B-B14F-4D97-AF65-F5344CB8AC3E}">
+        <p14:creationId xmlns:p14="http://schemas.microsoft.com/office/powerpoint/2010/main" val="688099823"/>
+      </p:ext>
+    </p:extLst>
+  </p:cSld>
+  <p:clrMapOvr>
+    <a:masterClrMapping/>
+  </p:clrMapOvr>
+</p:notes>
+</file>
+
+<file path=ppt/notesSlides/notesSlide4.xml><?xml version="1.0" encoding="utf-8"?>
+<p:notes xmlns:a="http://schemas.openxmlformats.org/drawingml/2006/main" xmlns:r="http://schemas.openxmlformats.org/officeDocument/2006/relationships" xmlns:p="http://schemas.openxmlformats.org/presentationml/2006/main">
+  <p:cSld>
+    <p:spTree>
+      <p:nvGrpSpPr>
+        <p:cNvPr id="1" name=""/>
+        <p:cNvGrpSpPr/>
+        <p:nvPr/>
+      </p:nvGrpSpPr>
+      <p:grpSpPr>
+        <a:xfrm>
+          <a:off x="0" y="0"/>
+          <a:ext cx="0" cy="0"/>
+          <a:chOff x="0" y="0"/>
+          <a:chExt cx="0" cy="0"/>
+        </a:xfrm>
+      </p:grpSpPr>
+      <p:sp>
+        <p:nvSpPr>
+          <p:cNvPr id="2" name="Slide Image Placeholder 1"/>
+          <p:cNvSpPr>
+            <a:spLocks noGrp="1" noRot="1" noChangeAspect="1"/>
+          </p:cNvSpPr>
+          <p:nvPr>
+            <p:ph type="sldImg"/>
+          </p:nvPr>
+        </p:nvSpPr>
+        <p:spPr/>
+      </p:sp>
+      <p:sp>
+        <p:nvSpPr>
+          <p:cNvPr id="3" name="Notes Placeholder 2"/>
+          <p:cNvSpPr>
+            <a:spLocks noGrp="1"/>
+          </p:cNvSpPr>
+          <p:nvPr>
+            <p:ph type="body" idx="1"/>
+          </p:nvPr>
+        </p:nvSpPr>
+        <p:spPr/>
+        <p:txBody>
+          <a:bodyPr/>
+          <a:lstStyle/>
+          <a:p>
+            <a:r>
+              <a:rPr lang="en-US" dirty="0" smtClean="0"/>
+              <a:t>Beckmann distribution    (2)</a:t>
+            </a:r>
+          </a:p>
+          <a:p>
+            <a:r>
+              <a:rPr lang="en-US" dirty="0" smtClean="0"/>
+              <a:t>     - Something about the </a:t>
+            </a:r>
+            <a:r>
+              <a:rPr lang="en-US" dirty="0" err="1" smtClean="0"/>
+              <a:t>beckmann</a:t>
+            </a:r>
+            <a:r>
+              <a:rPr lang="en-US" dirty="0" smtClean="0"/>
+              <a:t> (equation)</a:t>
+            </a:r>
+          </a:p>
+          <a:p>
+            <a:r>
+              <a:rPr lang="en-US" dirty="0" smtClean="0"/>
+              <a:t>     - For our test case, we use only this</a:t>
+            </a:r>
+          </a:p>
+          <a:p>
+            <a:r>
+              <a:rPr lang="en-US" dirty="0" smtClean="0"/>
+              <a:t>     - It has one parameter</a:t>
+            </a:r>
+          </a:p>
+          <a:p>
+            <a:r>
+              <a:rPr lang="en-US" dirty="0" smtClean="0"/>
+              <a:t>     - Roughness according to parameter</a:t>
+            </a:r>
+          </a:p>
+          <a:p>
+            <a:r>
+              <a:rPr lang="en-US" dirty="0" smtClean="0"/>
+              <a:t>     - What is the best parameter to approximate a given distribution of </a:t>
+            </a:r>
+            <a:r>
+              <a:rPr lang="en-US" dirty="0" err="1" smtClean="0"/>
+              <a:t>normals</a:t>
+            </a:r>
+            <a:r>
+              <a:rPr lang="en-US" dirty="0" smtClean="0"/>
+              <a:t> </a:t>
+            </a:r>
+          </a:p>
+          <a:p>
+            <a:endParaRPr lang="da-DK" dirty="0"/>
+          </a:p>
+        </p:txBody>
+      </p:sp>
+      <p:sp>
+        <p:nvSpPr>
+          <p:cNvPr id="4" name="Slide Number Placeholder 3"/>
+          <p:cNvSpPr>
+            <a:spLocks noGrp="1"/>
+          </p:cNvSpPr>
+          <p:nvPr>
+            <p:ph type="sldNum" sz="quarter" idx="10"/>
+          </p:nvPr>
+        </p:nvSpPr>
+        <p:spPr/>
+        <p:txBody>
+          <a:bodyPr/>
+          <a:lstStyle/>
+          <a:p>
+            <a:fld id="{D451BD60-6A09-44A5-99EA-82E3A20093E0}" type="slidenum">
+              <a:rPr lang="da-DK" altLang="en-US" smtClean="0"/>
+              <a:pPr/>
+              <a:t>4</a:t>
+            </a:fld>
+            <a:endParaRPr lang="da-DK" altLang="en-US"/>
+          </a:p>
+        </p:txBody>
+      </p:sp>
+    </p:spTree>
+    <p:extLst>
+      <p:ext uri="{BB962C8B-B14F-4D97-AF65-F5344CB8AC3E}">
+        <p14:creationId xmlns:p14="http://schemas.microsoft.com/office/powerpoint/2010/main" val="3217676234"/>
+      </p:ext>
+    </p:extLst>
+  </p:cSld>
+  <p:clrMapOvr>
+    <a:masterClrMapping/>
+  </p:clrMapOvr>
+</p:notes>
+</file>
+
+<file path=ppt/notesSlides/notesSlide5.xml><?xml version="1.0" encoding="utf-8"?>
+<p:notes xmlns:a="http://schemas.openxmlformats.org/drawingml/2006/main" xmlns:r="http://schemas.openxmlformats.org/officeDocument/2006/relationships" xmlns:p="http://schemas.openxmlformats.org/presentationml/2006/main">
+  <p:cSld>
+    <p:spTree>
+      <p:nvGrpSpPr>
+        <p:cNvPr id="1" name=""/>
+        <p:cNvGrpSpPr/>
+        <p:nvPr/>
+      </p:nvGrpSpPr>
+      <p:grpSpPr>
+        <a:xfrm>
+          <a:off x="0" y="0"/>
+          <a:ext cx="0" cy="0"/>
+          <a:chOff x="0" y="0"/>
+          <a:chExt cx="0" cy="0"/>
+        </a:xfrm>
+      </p:grpSpPr>
+      <p:sp>
+        <p:nvSpPr>
+          <p:cNvPr id="2" name="Slide Image Placeholder 1"/>
+          <p:cNvSpPr>
+            <a:spLocks noGrp="1" noRot="1" noChangeAspect="1"/>
+          </p:cNvSpPr>
+          <p:nvPr>
+            <p:ph type="sldImg"/>
+          </p:nvPr>
+        </p:nvSpPr>
+        <p:spPr/>
+      </p:sp>
+      <p:sp>
+        <p:nvSpPr>
+          <p:cNvPr id="3" name="Notes Placeholder 2"/>
+          <p:cNvSpPr>
+            <a:spLocks noGrp="1"/>
+          </p:cNvSpPr>
+          <p:nvPr>
+            <p:ph type="body" idx="1"/>
+          </p:nvPr>
+        </p:nvSpPr>
+        <p:spPr/>
+        <p:txBody>
+          <a:bodyPr/>
+          <a:lstStyle/>
+          <a:p>
+            <a:endParaRPr lang="da-DK" dirty="0"/>
+          </a:p>
+        </p:txBody>
+      </p:sp>
+      <p:sp>
+        <p:nvSpPr>
+          <p:cNvPr id="4" name="Slide Number Placeholder 3"/>
+          <p:cNvSpPr>
+            <a:spLocks noGrp="1"/>
+          </p:cNvSpPr>
+          <p:nvPr>
+            <p:ph type="sldNum" sz="quarter" idx="10"/>
+          </p:nvPr>
+        </p:nvSpPr>
+        <p:spPr/>
+        <p:txBody>
+          <a:bodyPr/>
+          <a:lstStyle/>
+          <a:p>
+            <a:fld id="{D451BD60-6A09-44A5-99EA-82E3A20093E0}" type="slidenum">
+              <a:rPr lang="da-DK" altLang="en-US" smtClean="0"/>
+              <a:pPr/>
               <a:t>5</a:t>
             </a:fld>
             <a:endParaRPr lang="da-DK" altLang="en-US"/>
@@ -1510,7 +1707,7 @@
 </p:notes>
 </file>
 
-<file path=ppt/notesSlides/notesSlide4.xml><?xml version="1.0" encoding="utf-8"?>
+<file path=ppt/notesSlides/notesSlide6.xml><?xml version="1.0" encoding="utf-8"?>
 <p:notes xmlns:a="http://schemas.openxmlformats.org/drawingml/2006/main" xmlns:r="http://schemas.openxmlformats.org/officeDocument/2006/relationships" xmlns:p="http://schemas.openxmlformats.org/presentationml/2006/main">
   <p:cSld>
     <p:spTree>
@@ -7769,7 +7966,19 @@
           <a:p>
             <a:r>
               <a:rPr lang="en-GB" dirty="0" smtClean="0"/>
-              <a:t>Sketchy applications of semi-supervised learning</a:t>
+              <a:t>Sketch </a:t>
+            </a:r>
+            <a:r>
+              <a:rPr lang="en-GB" dirty="0" smtClean="0"/>
+              <a:t>applications of semi-supervised </a:t>
+            </a:r>
+            <a:r>
+              <a:rPr lang="en-GB" dirty="0" smtClean="0"/>
+              <a:t>self-</a:t>
+            </a:r>
+            <a:r>
+              <a:rPr lang="en-GB" dirty="0" smtClean="0"/>
+              <a:t>learning</a:t>
             </a:r>
             <a:endParaRPr lang="en-US" altLang="en-US" dirty="0" smtClean="0"/>
           </a:p>
@@ -8085,40 +8294,6 @@
           <a:chExt cx="0" cy="0"/>
         </a:xfrm>
       </p:grpSpPr>
-      <p:sp>
-        <p:nvSpPr>
-          <p:cNvPr id="39" name="TextShape 1"/>
-          <p:cNvSpPr txBox="1"/>
-          <p:nvPr/>
-        </p:nvSpPr>
-        <p:spPr>
-          <a:xfrm>
-            <a:off x="457172" y="273352"/>
-            <a:ext cx="8228763" cy="1145009"/>
-          </a:xfrm>
-          <a:prstGeom prst="rect">
-            <a:avLst/>
-          </a:prstGeom>
-          <a:noFill/>
-          <a:ln>
-            <a:noFill/>
-          </a:ln>
-        </p:spPr>
-        <p:txBody>
-          <a:bodyPr lIns="0" tIns="0" rIns="0" bIns="0" anchor="ctr"/>
-          <a:lstStyle/>
-          <a:p>
-            <a:pPr algn="ctr"/>
-            <a:r>
-              <a:rPr lang="en-US" sz="4000" spc="-1">
-                <a:latin typeface="Arial"/>
-              </a:rPr>
-              <a:t>CT projection data</a:t>
-            </a:r>
-            <a:endParaRPr/>
-          </a:p>
-        </p:txBody>
-      </p:sp>
       <p:pic>
         <p:nvPicPr>
           <p:cNvPr id="40" name="Picture 39"/>
@@ -8229,7 +8404,7 @@
         </p:nvSpPr>
         <p:spPr>
           <a:xfrm>
-            <a:off x="3815424" y="1428158"/>
+            <a:off x="3635896" y="1737789"/>
             <a:ext cx="2156544" cy="1475187"/>
           </a:xfrm>
           <a:prstGeom prst="rect">
@@ -8292,7 +8467,7 @@
         </p:nvSpPr>
         <p:spPr>
           <a:xfrm>
-            <a:off x="3506833" y="4653136"/>
+            <a:off x="3506833" y="4562280"/>
             <a:ext cx="1981839" cy="1242984"/>
           </a:xfrm>
           <a:prstGeom prst="rect">
@@ -8361,7 +8536,7 @@
         </p:nvSpPr>
         <p:spPr>
           <a:xfrm>
-            <a:off x="165888" y="5391926"/>
+            <a:off x="165888" y="5301208"/>
             <a:ext cx="2903040" cy="1707389"/>
           </a:xfrm>
           <a:prstGeom prst="rect">
@@ -8395,6 +8570,36 @@
           </a:p>
         </p:txBody>
       </p:sp>
+      <p:sp>
+        <p:nvSpPr>
+          <p:cNvPr id="10" name="Title 1"/>
+          <p:cNvSpPr>
+            <a:spLocks noGrp="1"/>
+          </p:cNvSpPr>
+          <p:nvPr>
+            <p:ph type="title"/>
+          </p:nvPr>
+        </p:nvSpPr>
+        <p:spPr>
+          <a:xfrm>
+            <a:off x="609600" y="-27384"/>
+            <a:ext cx="7772400" cy="1143000"/>
+          </a:xfrm>
+        </p:spPr>
+        <p:txBody>
+          <a:bodyPr/>
+          <a:lstStyle/>
+          <a:p>
+            <a:r>
+              <a:rPr lang="en-US" spc="-1" dirty="0">
+                <a:latin typeface="Arial"/>
+              </a:rPr>
+              <a:t>CT projection data</a:t>
+            </a:r>
+            <a:endParaRPr lang="en-US" dirty="0"/>
+          </a:p>
+        </p:txBody>
+      </p:sp>
     </p:spTree>
     <p:extLst>
       <p:ext uri="{BB962C8B-B14F-4D97-AF65-F5344CB8AC3E}">
@@ -8405,6 +8610,13 @@
   <p:clrMapOvr>
     <a:masterClrMapping/>
   </p:clrMapOvr>
+  <p:timing>
+    <p:tnLst>
+      <p:par>
+        <p:cTn id="1" dur="indefinite" restart="never" nodeType="tmRoot"/>
+      </p:par>
+    </p:tnLst>
+  </p:timing>
 </p:sld>
 </file>
 
@@ -8425,40 +8637,6 @@
           <a:chExt cx="0" cy="0"/>
         </a:xfrm>
       </p:grpSpPr>
-      <p:sp>
-        <p:nvSpPr>
-          <p:cNvPr id="47" name="TextShape 1"/>
-          <p:cNvSpPr txBox="1"/>
-          <p:nvPr/>
-        </p:nvSpPr>
-        <p:spPr>
-          <a:xfrm>
-            <a:off x="457172" y="273352"/>
-            <a:ext cx="8228763" cy="1145009"/>
-          </a:xfrm>
-          <a:prstGeom prst="rect">
-            <a:avLst/>
-          </a:prstGeom>
-          <a:noFill/>
-          <a:ln>
-            <a:noFill/>
-          </a:ln>
-        </p:spPr>
-        <p:txBody>
-          <a:bodyPr lIns="0" tIns="0" rIns="0" bIns="0" anchor="ctr"/>
-          <a:lstStyle/>
-          <a:p>
-            <a:pPr algn="ctr"/>
-            <a:r>
-              <a:rPr lang="en-US" sz="4000" spc="-1">
-                <a:latin typeface="Arial"/>
-              </a:rPr>
-              <a:t>Labelling</a:t>
-            </a:r>
-            <a:endParaRPr/>
-          </a:p>
-        </p:txBody>
-      </p:sp>
       <p:sp>
         <p:nvSpPr>
           <p:cNvPr id="48" name="CustomShape 2"/>
@@ -9016,6 +9194,36 @@
           <a:fontRef idx="minor"/>
         </p:style>
       </p:sp>
+      <p:sp>
+        <p:nvSpPr>
+          <p:cNvPr id="19" name="Title 1"/>
+          <p:cNvSpPr>
+            <a:spLocks noGrp="1"/>
+          </p:cNvSpPr>
+          <p:nvPr>
+            <p:ph type="title"/>
+          </p:nvPr>
+        </p:nvSpPr>
+        <p:spPr>
+          <a:xfrm>
+            <a:off x="609600" y="-27384"/>
+            <a:ext cx="7772400" cy="1143000"/>
+          </a:xfrm>
+        </p:spPr>
+        <p:txBody>
+          <a:bodyPr/>
+          <a:lstStyle/>
+          <a:p>
+            <a:r>
+              <a:rPr lang="en-US" spc="-1" dirty="0" smtClean="0">
+                <a:latin typeface="Arial"/>
+              </a:rPr>
+              <a:t>Labelling</a:t>
+            </a:r>
+            <a:endParaRPr lang="en-US" dirty="0"/>
+          </a:p>
+        </p:txBody>
+      </p:sp>
     </p:spTree>
     <p:extLst>
       <p:ext uri="{BB962C8B-B14F-4D97-AF65-F5344CB8AC3E}">
@@ -9026,6 +9234,13 @@
   <p:clrMapOvr>
     <a:masterClrMapping/>
   </p:clrMapOvr>
+  <p:timing>
+    <p:tnLst>
+      <p:par>
+        <p:cTn id="1" dur="indefinite" restart="never" nodeType="tmRoot"/>
+      </p:par>
+    </p:tnLst>
+  </p:timing>
 </p:sld>
 </file>
 
@@ -9048,40 +9263,6 @@
       </p:grpSpPr>
       <p:sp>
         <p:nvSpPr>
-          <p:cNvPr id="64" name="TextShape 1"/>
-          <p:cNvSpPr txBox="1"/>
-          <p:nvPr/>
-        </p:nvSpPr>
-        <p:spPr>
-          <a:xfrm>
-            <a:off x="457172" y="273352"/>
-            <a:ext cx="8228763" cy="1145009"/>
-          </a:xfrm>
-          <a:prstGeom prst="rect">
-            <a:avLst/>
-          </a:prstGeom>
-          <a:noFill/>
-          <a:ln>
-            <a:noFill/>
-          </a:ln>
-        </p:spPr>
-        <p:txBody>
-          <a:bodyPr lIns="0" tIns="0" rIns="0" bIns="0" anchor="ctr"/>
-          <a:lstStyle/>
-          <a:p>
-            <a:pPr algn="ctr"/>
-            <a:r>
-              <a:rPr lang="en-US" sz="4000" spc="-1">
-                <a:latin typeface="Arial"/>
-              </a:rPr>
-              <a:t>Least squares linear classifier</a:t>
-            </a:r>
-            <a:endParaRPr/>
-          </a:p>
-        </p:txBody>
-      </p:sp>
-      <p:sp>
-        <p:nvSpPr>
           <p:cNvPr id="65" name="TextShape 2"/>
           <p:cNvSpPr txBox="1"/>
           <p:nvPr/>
@@ -9112,12 +9293,12 @@
               <a:buChar char=""/>
             </a:pPr>
             <a:r>
-              <a:rPr lang="en-US" sz="2900" spc="-1">
+              <a:rPr lang="en-US" sz="2900" spc="-1" dirty="0">
                 <a:latin typeface="Arial"/>
               </a:rPr>
               <a:t>1. Teach a linear classifier on the labeled data</a:t>
             </a:r>
-            <a:endParaRPr/>
+            <a:endParaRPr dirty="0"/>
           </a:p>
           <a:p>
             <a:pPr marL="391867" indent="-293900">
@@ -9129,12 +9310,12 @@
               <a:buChar char=""/>
             </a:pPr>
             <a:r>
-              <a:rPr lang="en-US" sz="2900" spc="-1">
+              <a:rPr lang="en-US" sz="2900" spc="-1" dirty="0">
                 <a:latin typeface="Arial"/>
               </a:rPr>
               <a:t>2. Label the unlabeled data by applying the model</a:t>
             </a:r>
-            <a:endParaRPr/>
+            <a:endParaRPr dirty="0"/>
           </a:p>
           <a:p>
             <a:pPr marL="391867" indent="-293900">
@@ -9146,12 +9327,12 @@
               <a:buChar char=""/>
             </a:pPr>
             <a:r>
-              <a:rPr lang="en-US" sz="2900" spc="-1">
+              <a:rPr lang="en-US" sz="2900" spc="-1" dirty="0">
                 <a:latin typeface="Arial"/>
               </a:rPr>
               <a:t>3. Reiterate </a:t>
             </a:r>
-            <a:endParaRPr/>
+            <a:endParaRPr dirty="0"/>
           </a:p>
         </p:txBody>
       </p:sp>
@@ -9178,6 +9359,36 @@
           </a:ln>
         </p:spPr>
       </p:pic>
+      <p:sp>
+        <p:nvSpPr>
+          <p:cNvPr id="5" name="Title 1"/>
+          <p:cNvSpPr>
+            <a:spLocks noGrp="1"/>
+          </p:cNvSpPr>
+          <p:nvPr>
+            <p:ph type="title"/>
+          </p:nvPr>
+        </p:nvSpPr>
+        <p:spPr>
+          <a:xfrm>
+            <a:off x="609600" y="-27384"/>
+            <a:ext cx="7772400" cy="1143000"/>
+          </a:xfrm>
+        </p:spPr>
+        <p:txBody>
+          <a:bodyPr/>
+          <a:lstStyle/>
+          <a:p>
+            <a:r>
+              <a:rPr lang="en-US" spc="-1" dirty="0">
+                <a:latin typeface="Arial"/>
+              </a:rPr>
+              <a:t>Least squares linear classifier</a:t>
+            </a:r>
+            <a:endParaRPr lang="en-US" dirty="0"/>
+          </a:p>
+        </p:txBody>
+      </p:sp>
     </p:spTree>
     <p:extLst>
       <p:ext uri="{BB962C8B-B14F-4D97-AF65-F5344CB8AC3E}">
@@ -9188,6 +9399,13 @@
   <p:clrMapOvr>
     <a:masterClrMapping/>
   </p:clrMapOvr>
+  <p:timing>
+    <p:tnLst>
+      <p:par>
+        <p:cTn id="1" dur="indefinite" restart="never" nodeType="tmRoot"/>
+      </p:par>
+    </p:tnLst>
+  </p:timing>
 </p:sld>
 </file>
 
@@ -9208,40 +9426,6 @@
           <a:chExt cx="0" cy="0"/>
         </a:xfrm>
       </p:grpSpPr>
-      <p:sp>
-        <p:nvSpPr>
-          <p:cNvPr id="67" name="TextShape 1"/>
-          <p:cNvSpPr txBox="1"/>
-          <p:nvPr/>
-        </p:nvSpPr>
-        <p:spPr>
-          <a:xfrm>
-            <a:off x="-1593243" y="99282"/>
-            <a:ext cx="8228763" cy="1145009"/>
-          </a:xfrm>
-          <a:prstGeom prst="rect">
-            <a:avLst/>
-          </a:prstGeom>
-          <a:noFill/>
-          <a:ln>
-            <a:noFill/>
-          </a:ln>
-        </p:spPr>
-        <p:txBody>
-          <a:bodyPr lIns="0" tIns="0" rIns="0" bIns="0" anchor="ctr"/>
-          <a:lstStyle/>
-          <a:p>
-            <a:pPr algn="ctr"/>
-            <a:r>
-              <a:rPr lang="en-US" sz="4000" spc="-1">
-                <a:latin typeface="Arial"/>
-              </a:rPr>
-              <a:t>Decision functions</a:t>
-            </a:r>
-            <a:endParaRPr/>
-          </a:p>
-        </p:txBody>
-      </p:sp>
       <p:pic>
         <p:nvPicPr>
           <p:cNvPr id="68" name="Picture 67"/>
@@ -9468,6 +9652,36 @@
           </a:p>
         </p:txBody>
       </p:sp>
+      <p:sp>
+        <p:nvSpPr>
+          <p:cNvPr id="6" name="Title 1"/>
+          <p:cNvSpPr>
+            <a:spLocks noGrp="1"/>
+          </p:cNvSpPr>
+          <p:nvPr>
+            <p:ph type="title"/>
+          </p:nvPr>
+        </p:nvSpPr>
+        <p:spPr>
+          <a:xfrm>
+            <a:off x="609600" y="-27384"/>
+            <a:ext cx="7772400" cy="1143000"/>
+          </a:xfrm>
+        </p:spPr>
+        <p:txBody>
+          <a:bodyPr/>
+          <a:lstStyle/>
+          <a:p>
+            <a:r>
+              <a:rPr lang="en-US" spc="-1" dirty="0" smtClean="0">
+                <a:latin typeface="Arial"/>
+              </a:rPr>
+              <a:t>Decision functions</a:t>
+            </a:r>
+            <a:endParaRPr lang="en-US" dirty="0"/>
+          </a:p>
+        </p:txBody>
+      </p:sp>
     </p:spTree>
     <p:extLst>
       <p:ext uri="{BB962C8B-B14F-4D97-AF65-F5344CB8AC3E}">
@@ -9478,6 +9692,13 @@
   <p:clrMapOvr>
     <a:masterClrMapping/>
   </p:clrMapOvr>
+  <p:timing>
+    <p:tnLst>
+      <p:par>
+        <p:cTn id="1" dur="indefinite" restart="never" nodeType="tmRoot"/>
+      </p:par>
+    </p:tnLst>
+  </p:timing>
 </p:sld>
 </file>
 
@@ -9500,40 +9721,6 @@
       </p:grpSpPr>
       <p:sp>
         <p:nvSpPr>
-          <p:cNvPr id="71" name="TextShape 1"/>
-          <p:cNvSpPr txBox="1"/>
-          <p:nvPr/>
-        </p:nvSpPr>
-        <p:spPr>
-          <a:xfrm>
-            <a:off x="457172" y="273352"/>
-            <a:ext cx="8228763" cy="1145009"/>
-          </a:xfrm>
-          <a:prstGeom prst="rect">
-            <a:avLst/>
-          </a:prstGeom>
-          <a:noFill/>
-          <a:ln>
-            <a:noFill/>
-          </a:ln>
-        </p:spPr>
-        <p:txBody>
-          <a:bodyPr lIns="0" tIns="0" rIns="0" bIns="0" anchor="ctr"/>
-          <a:lstStyle/>
-          <a:p>
-            <a:pPr algn="ctr"/>
-            <a:r>
-              <a:rPr lang="en-US" sz="4000" spc="-1">
-                <a:latin typeface="Arial"/>
-              </a:rPr>
-              <a:t>Conclusion</a:t>
-            </a:r>
-            <a:endParaRPr/>
-          </a:p>
-        </p:txBody>
-      </p:sp>
-      <p:sp>
-        <p:nvSpPr>
           <p:cNvPr id="72" name="TextShape 2"/>
           <p:cNvSpPr txBox="1"/>
           <p:nvPr/>
@@ -9564,12 +9751,12 @@
               <a:buChar char=""/>
             </a:pPr>
             <a:r>
-              <a:rPr lang="en-US" sz="2900" spc="-1">
+              <a:rPr lang="en-US" sz="2900" spc="-1" dirty="0">
                 <a:latin typeface="Arial"/>
               </a:rPr>
               <a:t>Classifier useless for general data since the features are poorly chosen</a:t>
             </a:r>
-            <a:endParaRPr/>
+            <a:endParaRPr dirty="0"/>
           </a:p>
           <a:p>
             <a:pPr marL="391867" indent="-293900">
@@ -9581,12 +9768,12 @@
               <a:buChar char=""/>
             </a:pPr>
             <a:r>
-              <a:rPr lang="en-US" sz="2900" spc="-1">
+              <a:rPr lang="en-US" sz="2900" spc="-1" dirty="0">
                 <a:latin typeface="Arial"/>
               </a:rPr>
               <a:t>Deep learning could possibly be used to find better features, or one could handcraft</a:t>
             </a:r>
-            <a:endParaRPr/>
+            <a:endParaRPr dirty="0"/>
           </a:p>
           <a:p>
             <a:pPr marL="391867" indent="-293900">
@@ -9598,12 +9785,12 @@
               <a:buChar char=""/>
             </a:pPr>
             <a:r>
-              <a:rPr lang="en-US" sz="2900" spc="-1">
+              <a:rPr lang="en-US" sz="2900" spc="-1" dirty="0">
                 <a:latin typeface="Arial"/>
               </a:rPr>
               <a:t>The classifier should probably be non-linear</a:t>
             </a:r>
-            <a:endParaRPr/>
+            <a:endParaRPr dirty="0"/>
           </a:p>
           <a:p>
             <a:pPr marL="391867" indent="-293900">
@@ -9615,12 +9802,42 @@
               <a:buChar char=""/>
             </a:pPr>
             <a:r>
-              <a:rPr lang="en-US" sz="2900" spc="-1">
+              <a:rPr lang="en-US" sz="2900" spc="-1" dirty="0">
                 <a:latin typeface="Arial"/>
               </a:rPr>
               <a:t> </a:t>
             </a:r>
-            <a:endParaRPr/>
+            <a:endParaRPr dirty="0"/>
+          </a:p>
+        </p:txBody>
+      </p:sp>
+      <p:sp>
+        <p:nvSpPr>
+          <p:cNvPr id="4" name="Title 1"/>
+          <p:cNvSpPr>
+            <a:spLocks noGrp="1"/>
+          </p:cNvSpPr>
+          <p:nvPr>
+            <p:ph type="title"/>
+          </p:nvPr>
+        </p:nvSpPr>
+        <p:spPr>
+          <a:xfrm>
+            <a:off x="609600" y="-27384"/>
+            <a:ext cx="7772400" cy="1143000"/>
+          </a:xfrm>
+        </p:spPr>
+        <p:txBody>
+          <a:bodyPr/>
+          <a:lstStyle/>
+          <a:p>
+            <a:r>
+              <a:rPr lang="en-US" spc="-1" dirty="0" smtClean="0">
+                <a:latin typeface="Arial"/>
+              </a:rPr>
+              <a:t>Conclusion</a:t>
+            </a:r>
+            <a:endParaRPr lang="en-US" dirty="0"/>
           </a:p>
         </p:txBody>
       </p:sp>
@@ -9634,6 +9851,13 @@
   <p:clrMapOvr>
     <a:masterClrMapping/>
   </p:clrMapOvr>
+  <p:timing>
+    <p:tnLst>
+      <p:par>
+        <p:cTn id="1" dur="indefinite" restart="never" nodeType="tmRoot"/>
+      </p:par>
+    </p:tnLst>
+  </p:timing>
 </p:sld>
 </file>
 
@@ -9663,7 +9887,7 @@
           <p:nvPr/>
         </p:nvPicPr>
         <p:blipFill>
-          <a:blip r:embed="rId2">
+          <a:blip r:embed="rId3">
             <a:extLst>
               <a:ext uri="{28A0092B-C50C-407E-A947-70E740481C1C}">
                 <a14:useLocalDpi xmlns:a14="http://schemas.microsoft.com/office/drawing/2010/main" val="0"/>
@@ -9677,8 +9901,8 @@
         </p:blipFill>
         <p:spPr bwMode="auto">
           <a:xfrm>
-            <a:off x="2398820" y="2708920"/>
-            <a:ext cx="4608512" cy="3709019"/>
+            <a:off x="2419260" y="3135341"/>
+            <a:ext cx="4117396" cy="3313759"/>
           </a:xfrm>
           <a:prstGeom prst="rect">
             <a:avLst/>
@@ -9850,11 +10074,11 @@
           <a:p>
             <a:r>
               <a:rPr lang="da-DK" dirty="0" smtClean="0"/>
-              <a:t>Computer Graphics - Normal </a:t>
-            </a:r>
-            <a:r>
-              <a:rPr lang="da-DK" dirty="0" err="1" smtClean="0"/>
-              <a:t>classification</a:t>
+              <a:t>Problem Statem</a:t>
+            </a:r>
+            <a:r>
+              <a:rPr lang="da-DK" dirty="0" smtClean="0"/>
+              <a:t>ent</a:t>
             </a:r>
             <a:endParaRPr lang="da-DK" dirty="0"/>
           </a:p>
@@ -9876,30 +10100,51 @@
           <a:lstStyle/>
           <a:p>
             <a:r>
-              <a:rPr lang="en-US" dirty="0" smtClean="0"/>
-              <a:t>Problem of data in rendering</a:t>
-            </a:r>
-            <a:r>
-              <a:rPr lang="en-US" dirty="0"/>
-              <a:t>     </a:t>
-            </a:r>
-            <a:endParaRPr lang="en-US" dirty="0" smtClean="0"/>
-          </a:p>
-          <a:p>
-            <a:r>
               <a:rPr lang="en-US" dirty="0" err="1" smtClean="0"/>
               <a:t>Microfacets</a:t>
             </a:r>
             <a:r>
               <a:rPr lang="en-US" dirty="0" smtClean="0"/>
-              <a:t> modeling, widely used technique in CG to render rough surfaces</a:t>
-            </a:r>
-          </a:p>
-          <a:p>
+              <a:t> </a:t>
+            </a:r>
             <a:r>
               <a:rPr lang="en-US" dirty="0" smtClean="0"/>
-              <a:t>Avoids using a highly resolution mesh to render</a:t>
-            </a:r>
+              <a:t>modeling, widely used technique in CG to render rough surfaces</a:t>
+            </a:r>
+          </a:p>
+          <a:p>
+            <a:r>
+              <a:rPr lang="en-US" dirty="0" smtClean="0"/>
+              <a:t>Avoids using a highly resolution mesh to </a:t>
+            </a:r>
+            <a:r>
+              <a:rPr lang="en-US" dirty="0" smtClean="0"/>
+              <a:t>render</a:t>
+            </a:r>
+          </a:p>
+          <a:p>
+            <a:endParaRPr lang="en-US" dirty="0"/>
+          </a:p>
+          <a:p>
+            <a:endParaRPr lang="en-US" dirty="0" smtClean="0"/>
+          </a:p>
+          <a:p>
+            <a:pPr marL="0" indent="0">
+              <a:buNone/>
+            </a:pPr>
+            <a:endParaRPr lang="en-US" dirty="0" smtClean="0"/>
+          </a:p>
+          <a:p>
+            <a:endParaRPr lang="en-US" dirty="0" smtClean="0"/>
+          </a:p>
+          <a:p>
+            <a:endParaRPr lang="en-US" dirty="0"/>
+          </a:p>
+          <a:p>
+            <a:endParaRPr lang="en-US" dirty="0" smtClean="0"/>
+          </a:p>
+          <a:p>
+            <a:endParaRPr lang="en-US" dirty="0"/>
           </a:p>
           <a:p>
             <a:endParaRPr lang="en-US" dirty="0" smtClean="0"/>
@@ -9972,6 +10217,47 @@
           </a:p>
         </p:txBody>
       </p:sp>
+      <p:pic>
+        <p:nvPicPr>
+          <p:cNvPr id="1026" name="Picture 2" descr="C:\Users\alcor\Desktop\microfacet.jpg"/>
+          <p:cNvPicPr>
+            <a:picLocks noChangeAspect="1" noChangeArrowheads="1"/>
+          </p:cNvPicPr>
+          <p:nvPr/>
+        </p:nvPicPr>
+        <p:blipFill>
+          <a:blip r:embed="rId3">
+            <a:extLst>
+              <a:ext uri="{28A0092B-C50C-407E-A947-70E740481C1C}">
+                <a14:useLocalDpi xmlns:a14="http://schemas.microsoft.com/office/drawing/2010/main" val="0"/>
+              </a:ext>
+            </a:extLst>
+          </a:blip>
+          <a:srcRect/>
+          <a:stretch>
+            <a:fillRect/>
+          </a:stretch>
+        </p:blipFill>
+        <p:spPr bwMode="auto">
+          <a:xfrm>
+            <a:off x="323528" y="2636912"/>
+            <a:ext cx="8062030" cy="1980535"/>
+          </a:xfrm>
+          <a:prstGeom prst="rect">
+            <a:avLst/>
+          </a:prstGeom>
+          <a:noFill/>
+          <a:extLst>
+            <a:ext uri="{909E8E84-426E-40DD-AFC4-6F175D3DCCD1}">
+              <a14:hiddenFill xmlns:a14="http://schemas.microsoft.com/office/drawing/2010/main">
+                <a:solidFill>
+                  <a:srgbClr val="FFFFFF"/>
+                </a:solidFill>
+              </a14:hiddenFill>
+            </a:ext>
+          </a:extLst>
+        </p:spPr>
+      </p:pic>
     </p:spTree>
     <p:extLst>
       <p:ext uri="{BB962C8B-B14F-4D97-AF65-F5344CB8AC3E}">
@@ -9985,7 +10271,187 @@
   <p:timing>
     <p:tnLst>
       <p:par>
-        <p:cTn id="1" dur="indefinite" restart="never" nodeType="tmRoot"/>
+        <p:cTn id="1" dur="indefinite" restart="never" nodeType="tmRoot">
+          <p:childTnLst>
+            <p:seq concurrent="1" nextAc="seek">
+              <p:cTn id="2" dur="indefinite" nodeType="mainSeq">
+                <p:childTnLst>
+                  <p:par>
+                    <p:cTn id="3" fill="hold">
+                      <p:stCondLst>
+                        <p:cond delay="indefinite"/>
+                      </p:stCondLst>
+                      <p:childTnLst>
+                        <p:par>
+                          <p:cTn id="4" fill="hold">
+                            <p:stCondLst>
+                              <p:cond delay="0"/>
+                            </p:stCondLst>
+                            <p:childTnLst>
+                              <p:par>
+                                <p:cTn id="5" presetID="10" presetClass="entr" presetSubtype="0" fill="hold" nodeType="clickEffect">
+                                  <p:stCondLst>
+                                    <p:cond delay="0"/>
+                                  </p:stCondLst>
+                                  <p:childTnLst>
+                                    <p:set>
+                                      <p:cBhvr>
+                                        <p:cTn id="6" dur="1" fill="hold">
+                                          <p:stCondLst>
+                                            <p:cond delay="0"/>
+                                          </p:stCondLst>
+                                        </p:cTn>
+                                        <p:tgtEl>
+                                          <p:spTgt spid="1026"/>
+                                        </p:tgtEl>
+                                        <p:attrNameLst>
+                                          <p:attrName>style.visibility</p:attrName>
+                                        </p:attrNameLst>
+                                      </p:cBhvr>
+                                      <p:to>
+                                        <p:strVal val="visible"/>
+                                      </p:to>
+                                    </p:set>
+                                    <p:animEffect transition="in" filter="fade">
+                                      <p:cBhvr>
+                                        <p:cTn id="7" dur="500"/>
+                                        <p:tgtEl>
+                                          <p:spTgt spid="1026"/>
+                                        </p:tgtEl>
+                                      </p:cBhvr>
+                                    </p:animEffect>
+                                  </p:childTnLst>
+                                </p:cTn>
+                              </p:par>
+                            </p:childTnLst>
+                          </p:cTn>
+                        </p:par>
+                      </p:childTnLst>
+                    </p:cTn>
+                  </p:par>
+                  <p:par>
+                    <p:cTn id="8" fill="hold">
+                      <p:stCondLst>
+                        <p:cond delay="indefinite"/>
+                      </p:stCondLst>
+                      <p:childTnLst>
+                        <p:par>
+                          <p:cTn id="9" fill="hold">
+                            <p:stCondLst>
+                              <p:cond delay="0"/>
+                            </p:stCondLst>
+                            <p:childTnLst>
+                              <p:par>
+                                <p:cTn id="10" presetID="10" presetClass="entr" presetSubtype="0" fill="hold" nodeType="clickEffect">
+                                  <p:stCondLst>
+                                    <p:cond delay="0"/>
+                                  </p:stCondLst>
+                                  <p:childTnLst>
+                                    <p:set>
+                                      <p:cBhvr>
+                                        <p:cTn id="11" dur="1" fill="hold">
+                                          <p:stCondLst>
+                                            <p:cond delay="0"/>
+                                          </p:stCondLst>
+                                        </p:cTn>
+                                        <p:tgtEl>
+                                          <p:spTgt spid="3">
+                                            <p:txEl>
+                                              <p:pRg st="10" end="10"/>
+                                            </p:txEl>
+                                          </p:spTgt>
+                                        </p:tgtEl>
+                                        <p:attrNameLst>
+                                          <p:attrName>style.visibility</p:attrName>
+                                        </p:attrNameLst>
+                                      </p:cBhvr>
+                                      <p:to>
+                                        <p:strVal val="visible"/>
+                                      </p:to>
+                                    </p:set>
+                                    <p:animEffect transition="in" filter="fade">
+                                      <p:cBhvr>
+                                        <p:cTn id="12" dur="500"/>
+                                        <p:tgtEl>
+                                          <p:spTgt spid="3">
+                                            <p:txEl>
+                                              <p:pRg st="10" end="10"/>
+                                            </p:txEl>
+                                          </p:spTgt>
+                                        </p:tgtEl>
+                                      </p:cBhvr>
+                                    </p:animEffect>
+                                  </p:childTnLst>
+                                </p:cTn>
+                              </p:par>
+                              <p:par>
+                                <p:cTn id="13" presetID="10" presetClass="entr" presetSubtype="0" fill="hold" nodeType="withEffect">
+                                  <p:stCondLst>
+                                    <p:cond delay="0"/>
+                                  </p:stCondLst>
+                                  <p:childTnLst>
+                                    <p:set>
+                                      <p:cBhvr>
+                                        <p:cTn id="14" dur="1" fill="hold">
+                                          <p:stCondLst>
+                                            <p:cond delay="0"/>
+                                          </p:stCondLst>
+                                        </p:cTn>
+                                        <p:tgtEl>
+                                          <p:spTgt spid="3">
+                                            <p:txEl>
+                                              <p:pRg st="11" end="11"/>
+                                            </p:txEl>
+                                          </p:spTgt>
+                                        </p:tgtEl>
+                                        <p:attrNameLst>
+                                          <p:attrName>style.visibility</p:attrName>
+                                        </p:attrNameLst>
+                                      </p:cBhvr>
+                                      <p:to>
+                                        <p:strVal val="visible"/>
+                                      </p:to>
+                                    </p:set>
+                                    <p:animEffect transition="in" filter="fade">
+                                      <p:cBhvr>
+                                        <p:cTn id="15" dur="500"/>
+                                        <p:tgtEl>
+                                          <p:spTgt spid="3">
+                                            <p:txEl>
+                                              <p:pRg st="11" end="11"/>
+                                            </p:txEl>
+                                          </p:spTgt>
+                                        </p:tgtEl>
+                                      </p:cBhvr>
+                                    </p:animEffect>
+                                  </p:childTnLst>
+                                </p:cTn>
+                              </p:par>
+                            </p:childTnLst>
+                          </p:cTn>
+                        </p:par>
+                      </p:childTnLst>
+                    </p:cTn>
+                  </p:par>
+                </p:childTnLst>
+              </p:cTn>
+              <p:prevCondLst>
+                <p:cond evt="onPrev" delay="0">
+                  <p:tgtEl>
+                    <p:sldTgt/>
+                  </p:tgtEl>
+                </p:cond>
+              </p:prevCondLst>
+              <p:nextCondLst>
+                <p:cond evt="onNext" delay="0">
+                  <p:tgtEl>
+                    <p:sldTgt/>
+                  </p:tgtEl>
+                </p:cond>
+              </p:nextCondLst>
+            </p:seq>
+          </p:childTnLst>
+        </p:cTn>
       </p:par>
     </p:tnLst>
   </p:timing>
@@ -10032,8 +10498,8 @@
           </a:p>
         </p:txBody>
       </p:sp>
-      <mc:AlternateContent xmlns:mc="http://schemas.openxmlformats.org/markup-compatibility/2006" xmlns:a14="http://schemas.microsoft.com/office/drawing/2010/main">
-        <mc:Choice Requires="a14">
+      <mc:AlternateContent xmlns:mc="http://schemas.openxmlformats.org/markup-compatibility/2006">
+        <mc:Choice xmlns:a14="http://schemas.microsoft.com/office/drawing/2010/main" Requires="a14">
           <p:sp>
             <p:nvSpPr>
               <p:cNvPr id="3" name="Content Placeholder 2"/>
@@ -10115,7 +10581,11 @@
                 </a:r>
                 <a:r>
                   <a:rPr lang="da-DK" dirty="0" smtClean="0"/>
-                  <a:t> of </a:t>
+                  <a:t> </a:t>
+                </a:r>
+                <a:r>
+                  <a:rPr lang="da-DK" dirty="0" smtClean="0"/>
+                  <a:t>of a parameter </a:t>
                 </a:r>
                 <a14:m>
                   <m:oMath xmlns:m="http://schemas.openxmlformats.org/officeDocument/2006/math">
@@ -10149,12 +10619,69 @@
                     </m:sSub>
                   </m:oMath>
                 </a14:m>
+                <a:endParaRPr lang="da-DK" b="0" dirty="0" smtClean="0">
+                  <a:ea typeface="Cambria Math"/>
+                </a:endParaRPr>
+              </a:p>
+              <a:p>
+                <a:endParaRPr lang="da-DK" dirty="0" smtClean="0"/>
+              </a:p>
+              <a:p>
+                <a:endParaRPr lang="da-DK" dirty="0"/>
+              </a:p>
+              <a:p>
+                <a:endParaRPr lang="da-DK" dirty="0" smtClean="0"/>
+              </a:p>
+              <a:p>
+                <a:endParaRPr lang="da-DK" dirty="0"/>
+              </a:p>
+              <a:p>
+                <a:endParaRPr lang="da-DK" dirty="0" smtClean="0"/>
+              </a:p>
+              <a:p>
+                <a:endParaRPr lang="da-DK" dirty="0"/>
+              </a:p>
+              <a:p>
+                <a14:m>
+                  <m:oMath xmlns:m="http://schemas.openxmlformats.org/officeDocument/2006/math">
+                    <m:sSub>
+                      <m:sSubPr>
+                        <m:ctrlPr>
+                          <a:rPr lang="da-DK" i="1" smtClean="0">
+                            <a:latin typeface="Cambria Math"/>
+                          </a:rPr>
+                        </m:ctrlPr>
+                      </m:sSubPr>
+                      <m:e>
+                        <m:r>
+                          <a:rPr lang="da-DK" i="1">
+                            <a:latin typeface="Cambria Math"/>
+                            <a:ea typeface="Cambria Math"/>
+                          </a:rPr>
+                          <m:t>𝜃</m:t>
+                        </m:r>
+                      </m:e>
+                      <m:sub>
+                        <m:r>
+                          <a:rPr lang="da-DK" b="0" i="1" smtClean="0">
+                            <a:latin typeface="Cambria Math"/>
+                          </a:rPr>
+                          <m:t>𝑚</m:t>
+                        </m:r>
+                      </m:sub>
+                    </m:sSub>
+                  </m:oMath>
+                </a14:m>
+                <a:r>
+                  <a:rPr lang="da-DK" dirty="0" smtClean="0"/>
+                  <a:t> is the azimuthal angle</a:t>
+                </a:r>
                 <a:endParaRPr lang="da-DK" dirty="0"/>
               </a:p>
             </p:txBody>
           </p:sp>
         </mc:Choice>
-        <mc:Fallback xmlns="">
+        <mc:Fallback>
           <p:sp>
             <p:nvSpPr>
               <p:cNvPr id="3" name="Content Placeholder 2"/>
@@ -10252,7 +10779,7 @@
         </p:blipFill>
         <p:spPr bwMode="auto">
           <a:xfrm>
-            <a:off x="637907" y="2132856"/>
+            <a:off x="827584" y="2278063"/>
             <a:ext cx="4332288" cy="1150937"/>
           </a:xfrm>
           <a:prstGeom prst="rect">
@@ -10283,7 +10810,197 @@
   <p:timing>
     <p:tnLst>
       <p:par>
-        <p:cTn id="1" dur="indefinite" restart="never" nodeType="tmRoot"/>
+        <p:cTn id="1" dur="indefinite" restart="never" nodeType="tmRoot">
+          <p:childTnLst>
+            <p:seq concurrent="1" nextAc="seek">
+              <p:cTn id="2" dur="indefinite" nodeType="mainSeq">
+                <p:childTnLst>
+                  <p:par>
+                    <p:cTn id="3" fill="hold">
+                      <p:stCondLst>
+                        <p:cond delay="indefinite"/>
+                      </p:stCondLst>
+                      <p:childTnLst>
+                        <p:par>
+                          <p:cTn id="4" fill="hold">
+                            <p:stCondLst>
+                              <p:cond delay="0"/>
+                            </p:stCondLst>
+                            <p:childTnLst>
+                              <p:par>
+                                <p:cTn id="5" presetID="10" presetClass="entr" presetSubtype="0" fill="hold" nodeType="clickEffect">
+                                  <p:stCondLst>
+                                    <p:cond delay="0"/>
+                                  </p:stCondLst>
+                                  <p:childTnLst>
+                                    <p:set>
+                                      <p:cBhvr>
+                                        <p:cTn id="6" dur="1" fill="hold">
+                                          <p:stCondLst>
+                                            <p:cond delay="0"/>
+                                          </p:stCondLst>
+                                        </p:cTn>
+                                        <p:tgtEl>
+                                          <p:spTgt spid="6147"/>
+                                        </p:tgtEl>
+                                        <p:attrNameLst>
+                                          <p:attrName>style.visibility</p:attrName>
+                                        </p:attrNameLst>
+                                      </p:cBhvr>
+                                      <p:to>
+                                        <p:strVal val="visible"/>
+                                      </p:to>
+                                    </p:set>
+                                    <p:animEffect transition="in" filter="fade">
+                                      <p:cBhvr>
+                                        <p:cTn id="7" dur="500"/>
+                                        <p:tgtEl>
+                                          <p:spTgt spid="6147"/>
+                                        </p:tgtEl>
+                                      </p:cBhvr>
+                                    </p:animEffect>
+                                  </p:childTnLst>
+                                </p:cTn>
+                              </p:par>
+                            </p:childTnLst>
+                          </p:cTn>
+                        </p:par>
+                      </p:childTnLst>
+                    </p:cTn>
+                  </p:par>
+                  <p:par>
+                    <p:cTn id="8" fill="hold">
+                      <p:stCondLst>
+                        <p:cond delay="indefinite"/>
+                      </p:stCondLst>
+                      <p:childTnLst>
+                        <p:par>
+                          <p:cTn id="9" fill="hold">
+                            <p:stCondLst>
+                              <p:cond delay="0"/>
+                            </p:stCondLst>
+                            <p:childTnLst>
+                              <p:par>
+                                <p:cTn id="10" presetID="10" presetClass="entr" presetSubtype="0" fill="hold" nodeType="clickEffect">
+                                  <p:stCondLst>
+                                    <p:cond delay="0"/>
+                                  </p:stCondLst>
+                                  <p:childTnLst>
+                                    <p:set>
+                                      <p:cBhvr>
+                                        <p:cTn id="11" dur="1" fill="hold">
+                                          <p:stCondLst>
+                                            <p:cond delay="0"/>
+                                          </p:stCondLst>
+                                        </p:cTn>
+                                        <p:tgtEl>
+                                          <p:spTgt spid="3">
+                                            <p:txEl>
+                                              <p:pRg st="7" end="7"/>
+                                            </p:txEl>
+                                          </p:spTgt>
+                                        </p:tgtEl>
+                                        <p:attrNameLst>
+                                          <p:attrName>style.visibility</p:attrName>
+                                        </p:attrNameLst>
+                                      </p:cBhvr>
+                                      <p:to>
+                                        <p:strVal val="visible"/>
+                                      </p:to>
+                                    </p:set>
+                                    <p:animEffect transition="in" filter="fade">
+                                      <p:cBhvr>
+                                        <p:cTn id="12" dur="500"/>
+                                        <p:tgtEl>
+                                          <p:spTgt spid="3">
+                                            <p:txEl>
+                                              <p:pRg st="7" end="7"/>
+                                            </p:txEl>
+                                          </p:spTgt>
+                                        </p:tgtEl>
+                                      </p:cBhvr>
+                                    </p:animEffect>
+                                  </p:childTnLst>
+                                </p:cTn>
+                              </p:par>
+                            </p:childTnLst>
+                          </p:cTn>
+                        </p:par>
+                      </p:childTnLst>
+                    </p:cTn>
+                  </p:par>
+                  <p:par>
+                    <p:cTn id="13" fill="hold">
+                      <p:stCondLst>
+                        <p:cond delay="indefinite"/>
+                      </p:stCondLst>
+                      <p:childTnLst>
+                        <p:par>
+                          <p:cTn id="14" fill="hold">
+                            <p:stCondLst>
+                              <p:cond delay="0"/>
+                            </p:stCondLst>
+                            <p:childTnLst>
+                              <p:par>
+                                <p:cTn id="15" presetID="10" presetClass="entr" presetSubtype="0" fill="hold" nodeType="clickEffect">
+                                  <p:stCondLst>
+                                    <p:cond delay="0"/>
+                                  </p:stCondLst>
+                                  <p:childTnLst>
+                                    <p:set>
+                                      <p:cBhvr>
+                                        <p:cTn id="16" dur="1" fill="hold">
+                                          <p:stCondLst>
+                                            <p:cond delay="0"/>
+                                          </p:stCondLst>
+                                        </p:cTn>
+                                        <p:tgtEl>
+                                          <p:spTgt spid="6146"/>
+                                        </p:tgtEl>
+                                        <p:attrNameLst>
+                                          <p:attrName>style.visibility</p:attrName>
+                                        </p:attrNameLst>
+                                      </p:cBhvr>
+                                      <p:to>
+                                        <p:strVal val="visible"/>
+                                      </p:to>
+                                    </p:set>
+                                    <p:animEffect transition="in" filter="fade">
+                                      <p:cBhvr>
+                                        <p:cTn id="17" dur="500"/>
+                                        <p:tgtEl>
+                                          <p:spTgt spid="6146"/>
+                                        </p:tgtEl>
+                                      </p:cBhvr>
+                                    </p:animEffect>
+                                  </p:childTnLst>
+                                </p:cTn>
+                              </p:par>
+                            </p:childTnLst>
+                          </p:cTn>
+                        </p:par>
+                      </p:childTnLst>
+                    </p:cTn>
+                  </p:par>
+                </p:childTnLst>
+              </p:cTn>
+              <p:prevCondLst>
+                <p:cond evt="onPrev" delay="0">
+                  <p:tgtEl>
+                    <p:sldTgt/>
+                  </p:tgtEl>
+                </p:cond>
+              </p:prevCondLst>
+              <p:nextCondLst>
+                <p:cond evt="onNext" delay="0">
+                  <p:tgtEl>
+                    <p:sldTgt/>
+                  </p:tgtEl>
+                </p:cond>
+              </p:nextCondLst>
+            </p:seq>
+          </p:childTnLst>
+        </p:cTn>
       </p:par>
     </p:tnLst>
   </p:timing>
@@ -10947,45 +11664,165 @@
           <a:lstStyle/>
           <a:p>
             <a:r>
-              <a:rPr lang="en-US" dirty="0"/>
-              <a:t>Training data generation (2)</a:t>
-            </a:r>
-          </a:p>
-          <a:p>
-            <a:r>
-              <a:rPr lang="en-US" dirty="0"/>
-              <a:t>     - 1 per parameter</a:t>
-            </a:r>
-          </a:p>
-          <a:p>
-            <a:r>
-              <a:rPr lang="en-US" dirty="0"/>
-              <a:t>     - k mean classifier,</a:t>
-            </a:r>
-          </a:p>
-          <a:p>
-            <a:r>
-              <a:rPr lang="en-US" dirty="0"/>
-              <a:t>       - Prediction of labels and self training until stabilization</a:t>
-            </a:r>
-          </a:p>
-          <a:p>
-            <a:r>
-              <a:rPr lang="en-US" dirty="0"/>
-              <a:t>     - Finished classifier to classify distributions</a:t>
-            </a:r>
-          </a:p>
-          <a:p>
-            <a:r>
-              <a:rPr lang="en-US" dirty="0"/>
-              <a:t>     - prediction of unsupervised</a:t>
-            </a:r>
-          </a:p>
-          <a:p>
-            <a:endParaRPr lang="da-DK" dirty="0"/>
+              <a:rPr lang="en-US" dirty="0" smtClean="0"/>
+              <a:t>We train our model using randomly generated Beckmann distributions in three classes</a:t>
+            </a:r>
+          </a:p>
+          <a:p>
+            <a:endParaRPr lang="en-US" dirty="0" smtClean="0"/>
+          </a:p>
+          <a:p>
+            <a:r>
+              <a:rPr lang="en-US" dirty="0" smtClean="0"/>
+              <a:t>A few distributions per class are used for the initial supervised learning</a:t>
+            </a:r>
+          </a:p>
+          <a:p>
+            <a:endParaRPr lang="en-US" dirty="0" smtClean="0"/>
+          </a:p>
+          <a:p>
+            <a:r>
+              <a:rPr lang="en-US" dirty="0" smtClean="0"/>
+              <a:t>The rest (100 distribution per class) is used for self-learning to improve the classifier</a:t>
+            </a:r>
+          </a:p>
+          <a:p>
+            <a:endParaRPr lang="en-US" dirty="0" smtClean="0"/>
+          </a:p>
+          <a:p>
+            <a:r>
+              <a:rPr lang="en-US" dirty="0" smtClean="0"/>
+              <a:t>We use a centroid k-means classifier with a specific metric</a:t>
+            </a:r>
+          </a:p>
+          <a:p>
+            <a:endParaRPr lang="en-US" dirty="0" smtClean="0"/>
           </a:p>
         </p:txBody>
       </p:sp>
+      <p:pic>
+        <p:nvPicPr>
+          <p:cNvPr id="4" name="Picture 7" descr="C:\Users\alcor\Documents\summer-school-2016\0.1.emf"/>
+          <p:cNvPicPr>
+            <a:picLocks noChangeAspect="1" noChangeArrowheads="1"/>
+          </p:cNvPicPr>
+          <p:nvPr/>
+        </p:nvPicPr>
+        <p:blipFill>
+          <a:blip r:embed="rId2">
+            <a:extLst>
+              <a:ext uri="{28A0092B-C50C-407E-A947-70E740481C1C}">
+                <a14:useLocalDpi xmlns:a14="http://schemas.microsoft.com/office/drawing/2010/main" val="0"/>
+              </a:ext>
+            </a:extLst>
+          </a:blip>
+          <a:srcRect/>
+          <a:stretch>
+            <a:fillRect/>
+          </a:stretch>
+        </p:blipFill>
+        <p:spPr bwMode="auto">
+          <a:xfrm>
+            <a:off x="828482" y="4308569"/>
+            <a:ext cx="2667001" cy="2000250"/>
+          </a:xfrm>
+          <a:prstGeom prst="rect">
+            <a:avLst/>
+          </a:prstGeom>
+          <a:noFill/>
+          <a:extLst>
+            <a:ext uri="{909E8E84-426E-40DD-AFC4-6F175D3DCCD1}">
+              <a14:hiddenFill xmlns:a14="http://schemas.microsoft.com/office/drawing/2010/main">
+                <a:solidFill>
+                  <a:srgbClr val="FFFFFF"/>
+                </a:solidFill>
+              </a14:hiddenFill>
+            </a:ext>
+          </a:extLst>
+        </p:spPr>
+      </p:pic>
+      <p:pic>
+        <p:nvPicPr>
+          <p:cNvPr id="5" name="Picture 3" descr="C:\Users\alcor\Documents\summer-school-2016\0.9.emf"/>
+          <p:cNvPicPr>
+            <a:picLocks noChangeAspect="1" noChangeArrowheads="1"/>
+          </p:cNvPicPr>
+          <p:nvPr/>
+        </p:nvPicPr>
+        <p:blipFill>
+          <a:blip r:embed="rId3">
+            <a:extLst>
+              <a:ext uri="{28A0092B-C50C-407E-A947-70E740481C1C}">
+                <a14:useLocalDpi xmlns:a14="http://schemas.microsoft.com/office/drawing/2010/main" val="0"/>
+              </a:ext>
+            </a:extLst>
+          </a:blip>
+          <a:srcRect/>
+          <a:stretch>
+            <a:fillRect/>
+          </a:stretch>
+        </p:blipFill>
+        <p:spPr bwMode="auto">
+          <a:xfrm>
+            <a:off x="5975578" y="4309070"/>
+            <a:ext cx="2667001" cy="2000250"/>
+          </a:xfrm>
+          <a:prstGeom prst="rect">
+            <a:avLst/>
+          </a:prstGeom>
+          <a:noFill/>
+          <a:extLst>
+            <a:ext uri="{909E8E84-426E-40DD-AFC4-6F175D3DCCD1}">
+              <a14:hiddenFill xmlns:a14="http://schemas.microsoft.com/office/drawing/2010/main">
+                <a:solidFill>
+                  <a:srgbClr val="FFFFFF"/>
+                </a:solidFill>
+              </a14:hiddenFill>
+            </a:ext>
+          </a:extLst>
+        </p:spPr>
+      </p:pic>
+      <p:pic>
+        <p:nvPicPr>
+          <p:cNvPr id="6" name="Picture 2" descr="C:\Users\alcor\Documents\summer-school-2016\0.5.emf"/>
+          <p:cNvPicPr>
+            <a:picLocks noChangeAspect="1" noChangeArrowheads="1"/>
+          </p:cNvPicPr>
+          <p:nvPr/>
+        </p:nvPicPr>
+        <p:blipFill>
+          <a:blip r:embed="rId4">
+            <a:extLst>
+              <a:ext uri="{28A0092B-C50C-407E-A947-70E740481C1C}">
+                <a14:useLocalDpi xmlns:a14="http://schemas.microsoft.com/office/drawing/2010/main" val="0"/>
+              </a:ext>
+            </a:extLst>
+          </a:blip>
+          <a:srcRect/>
+          <a:stretch>
+            <a:fillRect/>
+          </a:stretch>
+        </p:blipFill>
+        <p:spPr bwMode="auto">
+          <a:xfrm>
+            <a:off x="3345159" y="4309070"/>
+            <a:ext cx="2667001" cy="2000250"/>
+          </a:xfrm>
+          <a:prstGeom prst="rect">
+            <a:avLst/>
+          </a:prstGeom>
+          <a:noFill/>
+          <a:extLst>
+            <a:ext uri="{909E8E84-426E-40DD-AFC4-6F175D3DCCD1}">
+              <a14:hiddenFill xmlns:a14="http://schemas.microsoft.com/office/drawing/2010/main">
+                <a:solidFill>
+                  <a:srgbClr val="FFFFFF"/>
+                </a:solidFill>
+              </a14:hiddenFill>
+            </a:ext>
+          </a:extLst>
+        </p:spPr>
+      </p:pic>
     </p:spTree>
     <p:extLst>
       <p:ext uri="{BB962C8B-B14F-4D97-AF65-F5344CB8AC3E}">
@@ -11061,125 +11898,220 @@
           </a:p>
         </p:txBody>
       </p:sp>
-      <p:sp>
-        <p:nvSpPr>
-          <p:cNvPr id="3" name="Content Placeholder 2"/>
-          <p:cNvSpPr>
-            <a:spLocks noGrp="1"/>
-          </p:cNvSpPr>
-          <p:nvPr>
-            <p:ph idx="1"/>
-          </p:nvPr>
-        </p:nvSpPr>
-        <p:spPr/>
-        <p:txBody>
-          <a:bodyPr/>
-          <a:lstStyle/>
-          <a:p>
-            <a:r>
-              <a:rPr lang="da-DK" dirty="0" err="1" smtClean="0"/>
-              <a:t>We</a:t>
-            </a:r>
-            <a:r>
-              <a:rPr lang="da-DK" dirty="0" smtClean="0"/>
-              <a:t> </a:t>
-            </a:r>
-            <a:r>
-              <a:rPr lang="da-DK" dirty="0" err="1" smtClean="0"/>
-              <a:t>use</a:t>
-            </a:r>
-            <a:r>
-              <a:rPr lang="da-DK" dirty="0" smtClean="0"/>
-              <a:t> the </a:t>
-            </a:r>
-            <a:r>
-              <a:rPr lang="da-DK" dirty="0" err="1"/>
-              <a:t>Bhattacharyya</a:t>
-            </a:r>
-            <a:r>
-              <a:rPr lang="da-DK" dirty="0"/>
-              <a:t> </a:t>
-            </a:r>
-            <a:r>
-              <a:rPr lang="da-DK" dirty="0" smtClean="0"/>
-              <a:t>distance as a distance </a:t>
-            </a:r>
-            <a:r>
-              <a:rPr lang="da-DK" dirty="0" err="1" smtClean="0"/>
-              <a:t>metric</a:t>
-            </a:r>
-            <a:r>
-              <a:rPr lang="da-DK" dirty="0" smtClean="0"/>
-              <a:t> </a:t>
-            </a:r>
-            <a:r>
-              <a:rPr lang="da-DK" dirty="0" err="1" smtClean="0"/>
-              <a:t>between</a:t>
-            </a:r>
-            <a:r>
-              <a:rPr lang="da-DK" dirty="0" smtClean="0"/>
-              <a:t> distributions</a:t>
-            </a:r>
-          </a:p>
-          <a:p>
-            <a:endParaRPr lang="da-DK" dirty="0"/>
-          </a:p>
-          <a:p>
-            <a:endParaRPr lang="da-DK" dirty="0" smtClean="0"/>
-          </a:p>
-          <a:p>
-            <a:endParaRPr lang="da-DK" dirty="0"/>
-          </a:p>
-          <a:p>
-            <a:endParaRPr lang="da-DK" dirty="0" smtClean="0"/>
-          </a:p>
-          <a:p>
-            <a:endParaRPr lang="da-DK" dirty="0"/>
-          </a:p>
-          <a:p>
-            <a:endParaRPr lang="da-DK" dirty="0" smtClean="0"/>
-          </a:p>
-          <a:p>
-            <a:endParaRPr lang="da-DK" dirty="0"/>
-          </a:p>
-          <a:p>
-            <a:r>
-              <a:rPr lang="da-DK" dirty="0" smtClean="0"/>
-              <a:t>Good distance </a:t>
-            </a:r>
-            <a:r>
-              <a:rPr lang="da-DK" dirty="0" err="1" smtClean="0"/>
-              <a:t>metric</a:t>
-            </a:r>
-            <a:r>
-              <a:rPr lang="da-DK" dirty="0" smtClean="0"/>
-              <a:t> to </a:t>
-            </a:r>
-            <a:r>
-              <a:rPr lang="da-DK" dirty="0" err="1" smtClean="0"/>
-              <a:t>approximate</a:t>
-            </a:r>
-            <a:r>
-              <a:rPr lang="da-DK" dirty="0" smtClean="0"/>
-              <a:t> distance </a:t>
-            </a:r>
-            <a:r>
-              <a:rPr lang="da-DK" dirty="0" err="1" smtClean="0"/>
-              <a:t>between</a:t>
-            </a:r>
-            <a:r>
-              <a:rPr lang="da-DK" dirty="0" smtClean="0"/>
-              <a:t> distributions</a:t>
-            </a:r>
-          </a:p>
-          <a:p>
-            <a:endParaRPr lang="da-DK" dirty="0" smtClean="0"/>
-          </a:p>
-          <a:p>
-            <a:endParaRPr lang="da-DK" dirty="0"/>
-          </a:p>
-        </p:txBody>
-      </p:sp>
+      <mc:AlternateContent xmlns:mc="http://schemas.openxmlformats.org/markup-compatibility/2006">
+        <mc:Choice xmlns:a14="http://schemas.microsoft.com/office/drawing/2010/main" Requires="a14">
+          <p:sp>
+            <p:nvSpPr>
+              <p:cNvPr id="3" name="Content Placeholder 2"/>
+              <p:cNvSpPr>
+                <a:spLocks noGrp="1"/>
+              </p:cNvSpPr>
+              <p:nvPr>
+                <p:ph idx="1"/>
+              </p:nvPr>
+            </p:nvSpPr>
+            <p:spPr/>
+            <p:txBody>
+              <a:bodyPr/>
+              <a:lstStyle/>
+              <a:p>
+                <a:r>
+                  <a:rPr lang="da-DK" dirty="0" smtClean="0"/>
+                  <a:t>We</a:t>
+                </a:r>
+                <a:r>
+                  <a:rPr lang="da-DK" dirty="0" smtClean="0"/>
+                  <a:t> </a:t>
+                </a:r>
+                <a:r>
+                  <a:rPr lang="da-DK" dirty="0" err="1" smtClean="0"/>
+                  <a:t>use</a:t>
+                </a:r>
+                <a:r>
+                  <a:rPr lang="da-DK" dirty="0" smtClean="0"/>
+                  <a:t> the </a:t>
+                </a:r>
+                <a:r>
+                  <a:rPr lang="da-DK" dirty="0" err="1"/>
+                  <a:t>Bhattacharyya</a:t>
+                </a:r>
+                <a:r>
+                  <a:rPr lang="da-DK" dirty="0"/>
+                  <a:t> </a:t>
+                </a:r>
+                <a:r>
+                  <a:rPr lang="da-DK" dirty="0" smtClean="0"/>
+                  <a:t>distance as a distance </a:t>
+                </a:r>
+                <a:r>
+                  <a:rPr lang="da-DK" dirty="0" err="1" smtClean="0"/>
+                  <a:t>metric</a:t>
+                </a:r>
+                <a:r>
+                  <a:rPr lang="da-DK" dirty="0" smtClean="0"/>
+                  <a:t> </a:t>
+                </a:r>
+                <a:r>
+                  <a:rPr lang="da-DK" dirty="0" err="1" smtClean="0"/>
+                  <a:t>between</a:t>
+                </a:r>
+                <a:r>
+                  <a:rPr lang="da-DK" dirty="0" smtClean="0"/>
+                  <a:t> </a:t>
+                </a:r>
+                <a:r>
+                  <a:rPr lang="da-DK" dirty="0" smtClean="0"/>
+                  <a:t>distributions</a:t>
+                </a:r>
+                <a:endParaRPr lang="da-DK" dirty="0" smtClean="0"/>
+              </a:p>
+              <a:p>
+                <a:endParaRPr lang="da-DK" dirty="0"/>
+              </a:p>
+              <a:p>
+                <a:endParaRPr lang="da-DK" dirty="0" smtClean="0"/>
+              </a:p>
+              <a:p>
+                <a:endParaRPr lang="da-DK" dirty="0"/>
+              </a:p>
+              <a:p>
+                <a:endParaRPr lang="da-DK" dirty="0" smtClean="0"/>
+              </a:p>
+              <a:p>
+                <a:endParaRPr lang="da-DK" dirty="0"/>
+              </a:p>
+              <a:p>
+                <a:endParaRPr lang="da-DK" dirty="0" smtClean="0"/>
+              </a:p>
+              <a:p>
+                <a:endParaRPr lang="da-DK" dirty="0"/>
+              </a:p>
+              <a:p>
+                <a:r>
+                  <a:rPr lang="da-DK" dirty="0" smtClean="0"/>
+                  <a:t>In </a:t>
+                </a:r>
+                <a:r>
+                  <a:rPr lang="da-DK" dirty="0" err="1" smtClean="0"/>
+                  <a:t>practice</a:t>
+                </a:r>
+                <a:r>
+                  <a:rPr lang="da-DK" dirty="0" smtClean="0"/>
+                  <a:t>, </a:t>
+                </a:r>
+                <a:r>
+                  <a:rPr lang="da-DK" dirty="0" err="1" smtClean="0"/>
+                  <a:t>we</a:t>
+                </a:r>
+                <a:r>
+                  <a:rPr lang="da-DK" dirty="0" smtClean="0"/>
+                  <a:t> </a:t>
+                </a:r>
+                <a:r>
+                  <a:rPr lang="da-DK" dirty="0" err="1" smtClean="0"/>
+                  <a:t>use</a:t>
+                </a:r>
+                <a:r>
+                  <a:rPr lang="da-DK" dirty="0" smtClean="0"/>
+                  <a:t> the histograms of the </a:t>
+                </a:r>
+                <a:r>
+                  <a:rPr lang="da-DK" dirty="0" err="1" smtClean="0"/>
+                  <a:t>two</a:t>
+                </a:r>
+                <a:r>
+                  <a:rPr lang="da-DK" dirty="0" smtClean="0"/>
+                  <a:t> distributions </a:t>
+                </a:r>
+                <a14:m>
+                  <m:oMath xmlns:m="http://schemas.openxmlformats.org/officeDocument/2006/math">
+                    <m:r>
+                      <a:rPr lang="da-DK" b="0" i="1" smtClean="0">
+                        <a:latin typeface="Cambria Math"/>
+                      </a:rPr>
+                      <m:t>𝑝</m:t>
+                    </m:r>
+                  </m:oMath>
+                </a14:m>
+                <a:r>
+                  <a:rPr lang="da-DK" dirty="0" smtClean="0"/>
+                  <a:t> and </a:t>
+                </a:r>
+                <a14:m>
+                  <m:oMath xmlns:m="http://schemas.openxmlformats.org/officeDocument/2006/math">
+                    <m:r>
+                      <a:rPr lang="da-DK" b="0" i="1" smtClean="0">
+                        <a:latin typeface="Cambria Math"/>
+                      </a:rPr>
+                      <m:t>𝑞</m:t>
+                    </m:r>
+                  </m:oMath>
+                </a14:m>
+                <a:r>
+                  <a:rPr lang="da-DK" dirty="0" smtClean="0"/>
+                  <a:t> to </a:t>
+                </a:r>
+                <a:r>
+                  <a:rPr lang="da-DK" dirty="0" err="1" smtClean="0"/>
+                  <a:t>estimate</a:t>
+                </a:r>
+                <a:r>
+                  <a:rPr lang="da-DK" dirty="0" smtClean="0"/>
+                  <a:t> </a:t>
+                </a:r>
+                <a:r>
+                  <a:rPr lang="da-DK" dirty="0" err="1" smtClean="0"/>
+                  <a:t>their</a:t>
+                </a:r>
+                <a:r>
+                  <a:rPr lang="da-DK" dirty="0" smtClean="0"/>
+                  <a:t> pdf</a:t>
+                </a:r>
+                <a:endParaRPr lang="da-DK" dirty="0"/>
+              </a:p>
+              <a:p>
+                <a:endParaRPr lang="da-DK" dirty="0" smtClean="0"/>
+              </a:p>
+              <a:p>
+                <a:endParaRPr lang="da-DK" dirty="0"/>
+              </a:p>
+            </p:txBody>
+          </p:sp>
+        </mc:Choice>
+        <mc:Fallback>
+          <p:sp>
+            <p:nvSpPr>
+              <p:cNvPr id="3" name="Content Placeholder 2"/>
+              <p:cNvSpPr>
+                <a:spLocks noGrp="1" noRot="1" noChangeAspect="1" noMove="1" noResize="1" noEditPoints="1" noAdjustHandles="1" noChangeArrowheads="1" noChangeShapeType="1" noTextEdit="1"/>
+              </p:cNvSpPr>
+              <p:nvPr>
+                <p:ph idx="1"/>
+              </p:nvPr>
+            </p:nvSpPr>
+            <p:spPr>
+              <a:blipFill rotWithShape="1">
+                <a:blip r:embed="rId2"/>
+                <a:stretch>
+                  <a:fillRect l="-1569" t="-1471"/>
+                </a:stretch>
+              </a:blipFill>
+            </p:spPr>
+            <p:txBody>
+              <a:bodyPr/>
+              <a:lstStyle/>
+              <a:p>
+                <a:r>
+                  <a:rPr lang="da-DK">
+                    <a:noFill/>
+                  </a:rPr>
+                  <a:t> </a:t>
+                </a:r>
+              </a:p>
+            </p:txBody>
+          </p:sp>
+        </mc:Fallback>
+      </mc:AlternateContent>
       <p:pic>
         <p:nvPicPr>
           <p:cNvPr id="5122" name="Picture 2" descr="C:\Users\alcor\Downloads\CodeCogsEqn.emf"/>
@@ -11189,7 +12121,7 @@
           <p:nvPr/>
         </p:nvPicPr>
         <p:blipFill>
-          <a:blip r:embed="rId2">
+          <a:blip r:embed="rId3">
             <a:extLst>
               <a:ext uri="{28A0092B-C50C-407E-A947-70E740481C1C}">
                 <a14:useLocalDpi xmlns:a14="http://schemas.microsoft.com/office/drawing/2010/main" val="0"/>
@@ -11203,8 +12135,8 @@
         </p:blipFill>
         <p:spPr bwMode="auto">
           <a:xfrm>
-            <a:off x="827584" y="2325184"/>
-            <a:ext cx="5256584" cy="1735411"/>
+            <a:off x="697305" y="2492896"/>
+            <a:ext cx="4325260" cy="1427943"/>
           </a:xfrm>
           <a:prstGeom prst="rect">
             <a:avLst/>
@@ -11234,7 +12166,144 @@
   <p:timing>
     <p:tnLst>
       <p:par>
-        <p:cTn id="1" dur="indefinite" restart="never" nodeType="tmRoot"/>
+        <p:cTn id="1" dur="indefinite" restart="never" nodeType="tmRoot">
+          <p:childTnLst>
+            <p:seq concurrent="1" nextAc="seek">
+              <p:cTn id="2" dur="indefinite" nodeType="mainSeq">
+                <p:childTnLst>
+                  <p:par>
+                    <p:cTn id="3" fill="hold">
+                      <p:stCondLst>
+                        <p:cond delay="indefinite"/>
+                      </p:stCondLst>
+                      <p:childTnLst>
+                        <p:par>
+                          <p:cTn id="4" fill="hold">
+                            <p:stCondLst>
+                              <p:cond delay="0"/>
+                            </p:stCondLst>
+                            <p:childTnLst>
+                              <p:par>
+                                <p:cTn id="5" presetID="10" presetClass="entr" presetSubtype="0" fill="hold" nodeType="clickEffect">
+                                  <p:stCondLst>
+                                    <p:cond delay="0"/>
+                                  </p:stCondLst>
+                                  <p:childTnLst>
+                                    <p:set>
+                                      <p:cBhvr>
+                                        <p:cTn id="6" dur="1" fill="hold">
+                                          <p:stCondLst>
+                                            <p:cond delay="0"/>
+                                          </p:stCondLst>
+                                        </p:cTn>
+                                        <p:tgtEl>
+                                          <p:spTgt spid="5122"/>
+                                        </p:tgtEl>
+                                        <p:attrNameLst>
+                                          <p:attrName>style.visibility</p:attrName>
+                                        </p:attrNameLst>
+                                      </p:cBhvr>
+                                      <p:to>
+                                        <p:strVal val="visible"/>
+                                      </p:to>
+                                    </p:set>
+                                    <p:animEffect transition="in" filter="fade">
+                                      <p:cBhvr>
+                                        <p:cTn id="7" dur="500"/>
+                                        <p:tgtEl>
+                                          <p:spTgt spid="5122"/>
+                                        </p:tgtEl>
+                                      </p:cBhvr>
+                                    </p:animEffect>
+                                  </p:childTnLst>
+                                </p:cTn>
+                              </p:par>
+                            </p:childTnLst>
+                          </p:cTn>
+                        </p:par>
+                      </p:childTnLst>
+                    </p:cTn>
+                  </p:par>
+                  <p:par>
+                    <p:cTn id="8" fill="hold">
+                      <p:stCondLst>
+                        <p:cond delay="indefinite"/>
+                      </p:stCondLst>
+                      <p:childTnLst>
+                        <p:par>
+                          <p:cTn id="9" fill="hold">
+                            <p:stCondLst>
+                              <p:cond delay="0"/>
+                            </p:stCondLst>
+                            <p:childTnLst>
+                              <p:par>
+                                <p:cTn id="10" presetID="10" presetClass="entr" presetSubtype="0" fill="hold" nodeType="clickEffect">
+                                  <p:stCondLst>
+                                    <p:cond delay="0"/>
+                                  </p:stCondLst>
+                                  <p:childTnLst>
+                                    <p:set>
+                                      <p:cBhvr>
+                                        <p:cTn id="11" dur="1" fill="hold">
+                                          <p:stCondLst>
+                                            <p:cond delay="0"/>
+                                          </p:stCondLst>
+                                        </p:cTn>
+                                        <p:tgtEl>
+                                          <p:spTgt spid="3">
+                                            <p:txEl>
+                                              <p:pRg st="8" end="8"/>
+                                            </p:txEl>
+                                          </p:spTgt>
+                                        </p:tgtEl>
+                                        <p:attrNameLst>
+                                          <p:attrName>style.visibility</p:attrName>
+                                        </p:attrNameLst>
+                                      </p:cBhvr>
+                                      <p:to>
+                                        <p:strVal val="visible"/>
+                                      </p:to>
+                                    </p:set>
+                                    <p:animEffect transition="in" filter="fade">
+                                      <p:cBhvr>
+                                        <p:cTn id="12" dur="500"/>
+                                        <p:tgtEl>
+                                          <p:spTgt spid="3">
+                                            <p:txEl>
+                                              <p:pRg st="8" end="8"/>
+                                            </p:txEl>
+                                          </p:spTgt>
+                                        </p:tgtEl>
+                                      </p:cBhvr>
+                                    </p:animEffect>
+                                  </p:childTnLst>
+                                </p:cTn>
+                              </p:par>
+                            </p:childTnLst>
+                          </p:cTn>
+                        </p:par>
+                      </p:childTnLst>
+                    </p:cTn>
+                  </p:par>
+                </p:childTnLst>
+              </p:cTn>
+              <p:prevCondLst>
+                <p:cond evt="onPrev" delay="0">
+                  <p:tgtEl>
+                    <p:sldTgt/>
+                  </p:tgtEl>
+                </p:cond>
+              </p:prevCondLst>
+              <p:nextCondLst>
+                <p:cond evt="onNext" delay="0">
+                  <p:tgtEl>
+                    <p:sldTgt/>
+                  </p:tgtEl>
+                </p:cond>
+              </p:nextCondLst>
+            </p:seq>
+          </p:childTnLst>
+        </p:cTn>
       </p:par>
     </p:tnLst>
   </p:timing>
